--- a/Presentatie.pptx
+++ b/Presentatie.pptx
@@ -4159,7 +4159,7 @@
           <a:p>
             <a:r>
               <a:rPr lang="nl-BE" dirty="0" smtClean="0"/>
-              <a:t>Environment, machines &amp; roles</a:t>
+              <a:t>Environments, machines &amp; roles</a:t>
             </a:r>
             <a:endParaRPr lang="nl-BE" dirty="0"/>
           </a:p>
@@ -4182,7 +4182,47 @@
           </a:bodyPr>
           <a:lstStyle/>
           <a:p>
+            <a:r>
+              <a:rPr lang="nl-BE" dirty="0" smtClean="0"/>
+              <a:t>Environment: omgeving naar waar je wil deployen</a:t>
+            </a:r>
+          </a:p>
+          <a:p>
+            <a:pPr lvl="1"/>
+            <a:r>
+              <a:rPr lang="nl-BE" dirty="0" smtClean="0"/>
+              <a:t>Bijv: test, acceptance, production</a:t>
+            </a:r>
+          </a:p>
+          <a:p>
+            <a:pPr lvl="1"/>
             <a:endParaRPr lang="nl-BE" dirty="0" smtClean="0"/>
+          </a:p>
+          <a:p>
+            <a:r>
+              <a:rPr lang="nl-BE" dirty="0" smtClean="0"/>
+              <a:t>Machine: server naar waar je </a:t>
+            </a:r>
+            <a:r>
+              <a:rPr lang="nl-BE" smtClean="0"/>
+              <a:t>wil deployen</a:t>
+            </a:r>
+          </a:p>
+          <a:p>
+            <a:endParaRPr lang="nl-BE" dirty="0" smtClean="0"/>
+          </a:p>
+          <a:p>
+            <a:r>
+              <a:rPr lang="nl-BE" dirty="0" smtClean="0"/>
+              <a:t>Role: bepaald de functie van een machine</a:t>
+            </a:r>
+          </a:p>
+          <a:p>
+            <a:pPr lvl="1"/>
+            <a:r>
+              <a:rPr lang="nl-BE" dirty="0" smtClean="0"/>
+              <a:t>Bijv: dbserver, app server, webserver</a:t>
+            </a:r>
           </a:p>
         </p:txBody>
       </p:sp>

--- a/Presentatie.pptx
+++ b/Presentatie.pptx
@@ -5,10 +5,10 @@
     <p:sldMasterId id="2147483648" r:id="rId4"/>
   </p:sldMasterIdLst>
   <p:notesMasterIdLst>
-    <p:notesMasterId r:id="rId16"/>
+    <p:notesMasterId r:id="rId19"/>
   </p:notesMasterIdLst>
   <p:handoutMasterIdLst>
-    <p:handoutMasterId r:id="rId17"/>
+    <p:handoutMasterId r:id="rId20"/>
   </p:handoutMasterIdLst>
   <p:sldIdLst>
     <p:sldId id="256" r:id="rId5"/>
@@ -19,9 +19,12 @@
     <p:sldId id="266" r:id="rId10"/>
     <p:sldId id="267" r:id="rId11"/>
     <p:sldId id="268" r:id="rId12"/>
-    <p:sldId id="269" r:id="rId13"/>
-    <p:sldId id="270" r:id="rId14"/>
-    <p:sldId id="271" r:id="rId15"/>
+    <p:sldId id="272" r:id="rId13"/>
+    <p:sldId id="269" r:id="rId14"/>
+    <p:sldId id="270" r:id="rId15"/>
+    <p:sldId id="273" r:id="rId16"/>
+    <p:sldId id="274" r:id="rId17"/>
+    <p:sldId id="271" r:id="rId18"/>
   </p:sldIdLst>
   <p:sldSz cx="9144000" cy="6858000" type="screen4x3"/>
   <p:notesSz cx="6858000" cy="9144000"/>
@@ -122,7 +125,7 @@
   </p:defaultTextStyle>
   <p:extLst>
     <p:ext uri="{EFAFB233-063F-42B5-8137-9DF3F51BA10A}">
-      <p15:sldGuideLst xmlns="" xmlns:p15="http://schemas.microsoft.com/office/powerpoint/2012/main">
+      <p15:sldGuideLst xmlns:p15="http://schemas.microsoft.com/office/powerpoint/2012/main" xmlns="">
         <p15:guide id="1" orient="horz" pos="2160">
           <p15:clr>
             <a:srgbClr val="A4A3A4"/>
@@ -221,7 +224,7 @@
           <a:p>
             <a:fld id="{EE6C105D-2CF9-41DB-85FD-D66740423677}" type="datetimeFigureOut">
               <a:rPr lang="nl-BE" smtClean="0"/>
-              <a:t>2/05/2014</a:t>
+              <a:t>12/05/2014</a:t>
             </a:fld>
             <a:endParaRPr lang="nl-BE"/>
           </a:p>
@@ -387,7 +390,7 @@
             <a:fld id="{EB0EBD4C-DAF9-4E72-A1A4-1160C8AA0ED9}" type="datetimeFigureOut">
               <a:rPr lang="nl-BE" smtClean="0"/>
               <a:pPr/>
-              <a:t>2/05/2014</a:t>
+              <a:t>12/05/2014</a:t>
             </a:fld>
             <a:endParaRPr lang="nl-BE"/>
           </a:p>
@@ -656,6 +659,91 @@
     </a:lvl9pPr>
   </p:notesStyle>
 </p:notesMaster>
+</file>
+
+<file path=ppt/notesSlides/notesSlide1.xml><?xml version="1.0" encoding="utf-8"?>
+<p:notes xmlns:a="http://schemas.openxmlformats.org/drawingml/2006/main" xmlns:r="http://schemas.openxmlformats.org/officeDocument/2006/relationships" xmlns:p="http://schemas.openxmlformats.org/presentationml/2006/main">
+  <p:cSld>
+    <p:spTree>
+      <p:nvGrpSpPr>
+        <p:cNvPr id="1" name=""/>
+        <p:cNvGrpSpPr/>
+        <p:nvPr/>
+      </p:nvGrpSpPr>
+      <p:grpSpPr>
+        <a:xfrm>
+          <a:off x="0" y="0"/>
+          <a:ext cx="0" cy="0"/>
+          <a:chOff x="0" y="0"/>
+          <a:chExt cx="0" cy="0"/>
+        </a:xfrm>
+      </p:grpSpPr>
+      <p:sp>
+        <p:nvSpPr>
+          <p:cNvPr id="2" name="Slide Image Placeholder 1"/>
+          <p:cNvSpPr>
+            <a:spLocks noGrp="1" noRot="1" noChangeAspect="1"/>
+          </p:cNvSpPr>
+          <p:nvPr>
+            <p:ph type="sldImg"/>
+          </p:nvPr>
+        </p:nvSpPr>
+        <p:spPr/>
+      </p:sp>
+      <p:sp>
+        <p:nvSpPr>
+          <p:cNvPr id="3" name="Notes Placeholder 2"/>
+          <p:cNvSpPr>
+            <a:spLocks noGrp="1"/>
+          </p:cNvSpPr>
+          <p:nvPr>
+            <p:ph type="body" idx="1"/>
+          </p:nvPr>
+        </p:nvSpPr>
+        <p:spPr/>
+        <p:txBody>
+          <a:bodyPr/>
+          <a:lstStyle/>
+          <a:p>
+            <a:endParaRPr lang="nl-BE" dirty="0"/>
+          </a:p>
+        </p:txBody>
+      </p:sp>
+      <p:sp>
+        <p:nvSpPr>
+          <p:cNvPr id="4" name="Slide Number Placeholder 3"/>
+          <p:cNvSpPr>
+            <a:spLocks noGrp="1"/>
+          </p:cNvSpPr>
+          <p:nvPr>
+            <p:ph type="sldNum" sz="quarter" idx="10"/>
+          </p:nvPr>
+        </p:nvSpPr>
+        <p:spPr/>
+        <p:txBody>
+          <a:bodyPr/>
+          <a:lstStyle/>
+          <a:p>
+            <a:fld id="{D51253A1-6239-4477-A3B0-2072521666AE}" type="slidenum">
+              <a:rPr lang="nl-BE" smtClean="0"/>
+              <a:pPr/>
+              <a:t>10</a:t>
+            </a:fld>
+            <a:endParaRPr lang="nl-BE"/>
+          </a:p>
+        </p:txBody>
+      </p:sp>
+    </p:spTree>
+    <p:extLst>
+      <p:ext uri="{BB962C8B-B14F-4D97-AF65-F5344CB8AC3E}">
+        <p14:creationId xmlns:p14="http://schemas.microsoft.com/office/powerpoint/2010/main" val="3465021160"/>
+      </p:ext>
+    </p:extLst>
+  </p:cSld>
+  <p:clrMapOvr>
+    <a:masterClrMapping/>
+  </p:clrMapOvr>
+</p:notes>
 </file>
 
 <file path=ppt/slideLayouts/slideLayout1.xml><?xml version="1.0" encoding="utf-8"?>
@@ -2858,11 +2946,11 @@
           <a:p>
             <a:r>
               <a:rPr lang="nl-BE" dirty="0"/>
-              <a:t>Definieer het deployment </a:t>
-            </a:r>
-            <a:r>
-              <a:rPr lang="nl-BE" dirty="0" smtClean="0"/>
-              <a:t>proces</a:t>
+              <a:t>Maak uw applicatie </a:t>
+            </a:r>
+            <a:r>
+              <a:rPr lang="nl-BE" dirty="0" smtClean="0"/>
+              <a:t>‘deployable’</a:t>
             </a:r>
             <a:endParaRPr lang="nl-BE" dirty="0"/>
           </a:p>
@@ -2886,23 +2974,233 @@
           <a:lstStyle/>
           <a:p>
             <a:r>
+              <a:rPr lang="nl-BE" dirty="0" smtClean="0"/>
+              <a:t>Voeg config transformaties toe</a:t>
+            </a:r>
+          </a:p>
+          <a:p>
+            <a:r>
+              <a:rPr lang="nl-BE" dirty="0" smtClean="0"/>
+              <a:t>Installeer </a:t>
+            </a:r>
+            <a:r>
+              <a:rPr lang="nl-BE" dirty="0" smtClean="0"/>
+              <a:t>OctoPack</a:t>
+            </a:r>
+          </a:p>
+          <a:p>
+            <a:pPr lvl="1"/>
+            <a:r>
+              <a:rPr lang="nl-BE" dirty="0" smtClean="0"/>
+              <a:t>NuGet: install-package OctoPack</a:t>
+            </a:r>
+          </a:p>
+          <a:p>
+            <a:r>
+              <a:rPr lang="nl-BE" dirty="0" smtClean="0"/>
+              <a:t>Lanceer MSBuild met argument RunOctoPack</a:t>
+            </a:r>
+          </a:p>
+          <a:p>
+            <a:pPr lvl="1"/>
+            <a:r>
+              <a:rPr lang="nl-BE" dirty="0" smtClean="0"/>
+              <a:t>Maakt een deployment package van je project</a:t>
+            </a:r>
+          </a:p>
+          <a:p>
+            <a:pPr lvl="1"/>
+            <a:r>
+              <a:rPr lang="nl-BE" dirty="0" smtClean="0"/>
+              <a:t>Herbruikt het NuGet package format</a:t>
+            </a:r>
+          </a:p>
+          <a:p>
+            <a:r>
+              <a:rPr lang="nl-BE" dirty="0" smtClean="0"/>
+              <a:t>Publish de deployment package naar een NuGet feed</a:t>
+            </a:r>
+          </a:p>
+        </p:txBody>
+      </p:sp>
+    </p:spTree>
+    <p:extLst>
+      <p:ext uri="{BB962C8B-B14F-4D97-AF65-F5344CB8AC3E}">
+        <p14:creationId xmlns:p14="http://schemas.microsoft.com/office/powerpoint/2010/main" val="2894932707"/>
+      </p:ext>
+    </p:extLst>
+  </p:cSld>
+  <p:clrMapOvr>
+    <a:masterClrMapping/>
+  </p:clrMapOvr>
+  <p:timing>
+    <p:tnLst>
+      <p:par>
+        <p:cTn id="1" dur="indefinite" restart="never" nodeType="tmRoot"/>
+      </p:par>
+    </p:tnLst>
+  </p:timing>
+</p:sld>
+</file>
+
+<file path=ppt/slides/slide11.xml><?xml version="1.0" encoding="utf-8"?>
+<p:sld xmlns:a="http://schemas.openxmlformats.org/drawingml/2006/main" xmlns:r="http://schemas.openxmlformats.org/officeDocument/2006/relationships" xmlns:p="http://schemas.openxmlformats.org/presentationml/2006/main">
+  <p:cSld>
+    <p:spTree>
+      <p:nvGrpSpPr>
+        <p:cNvPr id="1" name=""/>
+        <p:cNvGrpSpPr/>
+        <p:nvPr/>
+      </p:nvGrpSpPr>
+      <p:grpSpPr>
+        <a:xfrm>
+          <a:off x="0" y="0"/>
+          <a:ext cx="0" cy="0"/>
+          <a:chOff x="0" y="0"/>
+          <a:chExt cx="0" cy="0"/>
+        </a:xfrm>
+      </p:grpSpPr>
+      <p:sp>
+        <p:nvSpPr>
+          <p:cNvPr id="5" name="Title 4"/>
+          <p:cNvSpPr>
+            <a:spLocks noGrp="1"/>
+          </p:cNvSpPr>
+          <p:nvPr>
+            <p:ph type="title"/>
+          </p:nvPr>
+        </p:nvSpPr>
+        <p:spPr/>
+        <p:txBody>
+          <a:bodyPr/>
+          <a:lstStyle/>
+          <a:p>
+            <a:r>
+              <a:rPr lang="nl-BE" dirty="0" smtClean="0"/>
+              <a:t>Configureer Octopus</a:t>
+            </a:r>
+            <a:endParaRPr lang="nl-BE" dirty="0"/>
+          </a:p>
+        </p:txBody>
+      </p:sp>
+      <p:sp>
+        <p:nvSpPr>
+          <p:cNvPr id="6" name="Content Placeholder 5"/>
+          <p:cNvSpPr>
+            <a:spLocks noGrp="1"/>
+          </p:cNvSpPr>
+          <p:nvPr>
+            <p:ph idx="1"/>
+          </p:nvPr>
+        </p:nvSpPr>
+        <p:spPr/>
+        <p:txBody>
+          <a:bodyPr>
+            <a:normAutofit/>
+          </a:bodyPr>
+          <a:lstStyle/>
+          <a:p>
+            <a:r>
               <a:rPr lang="en-US" dirty="0" err="1" smtClean="0"/>
-              <a:t>Maak</a:t>
-            </a:r>
-            <a:r>
-              <a:rPr lang="en-US" dirty="0" smtClean="0"/>
-              <a:t> het project </a:t>
-            </a:r>
+              <a:t>Definieer</a:t>
+            </a:r>
+            <a:r>
+              <a:rPr lang="en-US" dirty="0" smtClean="0"/>
+              <a:t> de environments</a:t>
+            </a:r>
+          </a:p>
+          <a:p>
+            <a:pPr lvl="1"/>
+            <a:r>
+              <a:rPr lang="en-US" dirty="0" smtClean="0"/>
+              <a:t>Test, Acceptance, Production</a:t>
+            </a:r>
+          </a:p>
+          <a:p>
+            <a:pPr lvl="1"/>
+            <a:endParaRPr lang="en-US" dirty="0" smtClean="0"/>
+          </a:p>
+          <a:p>
             <a:r>
               <a:rPr lang="en-US" dirty="0" err="1" smtClean="0"/>
-              <a:t>aan</a:t>
-            </a:r>
-            <a:endParaRPr lang="en-US" dirty="0"/>
-          </a:p>
-          <a:p>
-            <a:r>
-              <a:rPr lang="en-US" dirty="0" smtClean="0"/>
-              <a:t>Deploy Web package </a:t>
+              <a:t>Installeer</a:t>
+            </a:r>
+            <a:r>
+              <a:rPr lang="en-US" dirty="0" smtClean="0"/>
+              <a:t> </a:t>
+            </a:r>
+            <a:r>
+              <a:rPr lang="en-US" dirty="0" err="1" smtClean="0"/>
+              <a:t>een</a:t>
+            </a:r>
+            <a:r>
+              <a:rPr lang="en-US" dirty="0" smtClean="0"/>
+              <a:t> tentacle </a:t>
+            </a:r>
+            <a:r>
+              <a:rPr lang="en-US" dirty="0" err="1" smtClean="0"/>
+              <a:t>voor</a:t>
+            </a:r>
+            <a:r>
+              <a:rPr lang="en-US" dirty="0" smtClean="0"/>
+              <a:t> de </a:t>
+            </a:r>
+            <a:r>
+              <a:rPr lang="en-US" dirty="0" err="1" smtClean="0"/>
+              <a:t>testomgeving</a:t>
+            </a:r>
+            <a:endParaRPr lang="en-US" dirty="0" smtClean="0"/>
+          </a:p>
+          <a:p>
+            <a:pPr lvl="1"/>
+            <a:r>
+              <a:rPr lang="en-US" dirty="0" smtClean="0"/>
+              <a:t>Listening tentacle</a:t>
+            </a:r>
+          </a:p>
+          <a:p>
+            <a:pPr lvl="1"/>
+            <a:r>
+              <a:rPr lang="en-US" dirty="0" smtClean="0"/>
+              <a:t>Roles: </a:t>
+            </a:r>
+            <a:r>
+              <a:rPr lang="en-US" dirty="0" err="1" smtClean="0"/>
+              <a:t>dbserver</a:t>
+            </a:r>
+            <a:r>
+              <a:rPr lang="en-US" dirty="0"/>
+              <a:t> </a:t>
+            </a:r>
+            <a:r>
+              <a:rPr lang="en-US" dirty="0" smtClean="0"/>
+              <a:t>en webserver</a:t>
+            </a:r>
+          </a:p>
+          <a:p>
+            <a:pPr lvl="1"/>
+            <a:endParaRPr lang="en-US" dirty="0" smtClean="0"/>
+          </a:p>
+          <a:p>
+            <a:r>
+              <a:rPr lang="en-US" dirty="0" smtClean="0"/>
+              <a:t>Leg </a:t>
+            </a:r>
+            <a:r>
+              <a:rPr lang="en-US" dirty="0" err="1" smtClean="0"/>
+              <a:t>een</a:t>
+            </a:r>
+            <a:r>
+              <a:rPr lang="en-US" dirty="0" smtClean="0"/>
+              <a:t> </a:t>
+            </a:r>
+            <a:r>
+              <a:rPr lang="en-US" dirty="0" err="1" smtClean="0"/>
+              <a:t>connectie</a:t>
+            </a:r>
+            <a:r>
+              <a:rPr lang="en-US" dirty="0" smtClean="0"/>
+              <a:t> </a:t>
             </a:r>
             <a:r>
               <a:rPr lang="en-US" dirty="0" err="1" smtClean="0"/>
@@ -2910,112 +3208,19 @@
             </a:r>
             <a:r>
               <a:rPr lang="en-US" dirty="0" smtClean="0"/>
-              <a:t> webserver role</a:t>
-            </a:r>
-            <a:endParaRPr lang="en-US" dirty="0"/>
-          </a:p>
-          <a:p>
-            <a:pPr lvl="1"/>
-            <a:r>
-              <a:rPr lang="en-US" dirty="0" smtClean="0"/>
-              <a:t>Run </a:t>
+              <a:t> de </a:t>
             </a:r>
             <a:r>
               <a:rPr lang="en-US" dirty="0" err="1" smtClean="0"/>
-              <a:t>config</a:t>
-            </a:r>
-            <a:r>
-              <a:rPr lang="en-US" dirty="0" smtClean="0"/>
-              <a:t> transforms</a:t>
-            </a:r>
-          </a:p>
-          <a:p>
-            <a:pPr lvl="1"/>
-            <a:r>
-              <a:rPr lang="en-US" dirty="0" smtClean="0"/>
-              <a:t>Switch IIS application path</a:t>
-            </a:r>
-            <a:endParaRPr lang="en-US" dirty="0"/>
-          </a:p>
-          <a:p>
-            <a:r>
-              <a:rPr lang="en-US" dirty="0" smtClean="0"/>
-              <a:t>Deploy DB migration package </a:t>
+              <a:t>NuGe</a:t>
             </a:r>
             <a:r>
               <a:rPr lang="en-US" dirty="0" err="1" smtClean="0"/>
-              <a:t>naar</a:t>
-            </a:r>
-            <a:r>
-              <a:rPr lang="en-US" dirty="0" smtClean="0"/>
-              <a:t> </a:t>
-            </a:r>
-            <a:r>
-              <a:rPr lang="en-US" dirty="0" err="1" smtClean="0"/>
-              <a:t>dbserver</a:t>
-            </a:r>
-            <a:r>
-              <a:rPr lang="en-US" dirty="0" smtClean="0"/>
-              <a:t> role</a:t>
-            </a:r>
-          </a:p>
-          <a:p>
-            <a:pPr lvl="1"/>
-            <a:r>
-              <a:rPr lang="en-US" dirty="0" smtClean="0"/>
-              <a:t>Run </a:t>
-            </a:r>
-            <a:r>
-              <a:rPr lang="en-US" dirty="0" err="1" smtClean="0"/>
-              <a:t>config</a:t>
-            </a:r>
-            <a:r>
-              <a:rPr lang="en-US" dirty="0" smtClean="0"/>
-              <a:t> transforms</a:t>
-            </a:r>
-          </a:p>
-          <a:p>
-            <a:pPr lvl="1"/>
-            <a:r>
-              <a:rPr lang="en-US" dirty="0" smtClean="0"/>
-              <a:t>Execute migrations</a:t>
-            </a:r>
-            <a:endParaRPr lang="en-US" dirty="0"/>
-          </a:p>
-          <a:p>
-            <a:r>
-              <a:rPr lang="en-US" dirty="0" smtClean="0"/>
-              <a:t>Extension points</a:t>
-            </a:r>
-          </a:p>
-          <a:p>
-            <a:pPr lvl="1"/>
-            <a:r>
-              <a:rPr lang="en-US" dirty="0" err="1" smtClean="0"/>
-              <a:t>Powershell</a:t>
-            </a:r>
-            <a:r>
-              <a:rPr lang="en-US" dirty="0" smtClean="0"/>
-              <a:t> scripts</a:t>
-            </a:r>
-          </a:p>
-          <a:p>
-            <a:pPr lvl="1"/>
-            <a:r>
-              <a:rPr lang="en-US" dirty="0" smtClean="0"/>
-              <a:t>PreDeploy.ps1, Deploy</a:t>
-            </a:r>
-            <a:r>
-              <a:rPr lang="en-US" dirty="0"/>
-              <a:t>.ps1</a:t>
-            </a:r>
-            <a:r>
-              <a:rPr lang="en-US" dirty="0" smtClean="0"/>
-              <a:t>, PostDeploy</a:t>
-            </a:r>
-            <a:r>
-              <a:rPr lang="en-US" dirty="0"/>
-              <a:t>.ps1</a:t>
+              <a:t>t</a:t>
+            </a:r>
+            <a:r>
+              <a:rPr lang="en-US" dirty="0" smtClean="0"/>
+              <a:t> feed van Team City</a:t>
             </a:r>
             <a:endParaRPr lang="nl-BE" dirty="0" smtClean="0"/>
           </a:p>
@@ -3041,7 +3246,345 @@
 </p:sld>
 </file>
 
-<file path=ppt/slides/slide11.xml><?xml version="1.0" encoding="utf-8"?>
+<file path=ppt/slides/slide12.xml><?xml version="1.0" encoding="utf-8"?>
+<p:sld xmlns:a="http://schemas.openxmlformats.org/drawingml/2006/main" xmlns:r="http://schemas.openxmlformats.org/officeDocument/2006/relationships" xmlns:p="http://schemas.openxmlformats.org/presentationml/2006/main">
+  <p:cSld>
+    <p:spTree>
+      <p:nvGrpSpPr>
+        <p:cNvPr id="1" name=""/>
+        <p:cNvGrpSpPr/>
+        <p:nvPr/>
+      </p:nvGrpSpPr>
+      <p:grpSpPr>
+        <a:xfrm>
+          <a:off x="0" y="0"/>
+          <a:ext cx="0" cy="0"/>
+          <a:chOff x="0" y="0"/>
+          <a:chExt cx="0" cy="0"/>
+        </a:xfrm>
+      </p:grpSpPr>
+      <p:sp>
+        <p:nvSpPr>
+          <p:cNvPr id="5" name="Title 4"/>
+          <p:cNvSpPr>
+            <a:spLocks noGrp="1"/>
+          </p:cNvSpPr>
+          <p:nvPr>
+            <p:ph type="title"/>
+          </p:nvPr>
+        </p:nvSpPr>
+        <p:spPr/>
+        <p:txBody>
+          <a:bodyPr/>
+          <a:lstStyle/>
+          <a:p>
+            <a:r>
+              <a:rPr lang="nl-BE" dirty="0"/>
+              <a:t>Definieer het deployment </a:t>
+            </a:r>
+            <a:r>
+              <a:rPr lang="nl-BE" dirty="0" smtClean="0"/>
+              <a:t>proces</a:t>
+            </a:r>
+            <a:endParaRPr lang="nl-BE" dirty="0"/>
+          </a:p>
+        </p:txBody>
+      </p:sp>
+      <p:sp>
+        <p:nvSpPr>
+          <p:cNvPr id="6" name="Content Placeholder 5"/>
+          <p:cNvSpPr>
+            <a:spLocks noGrp="1"/>
+          </p:cNvSpPr>
+          <p:nvPr>
+            <p:ph idx="1"/>
+          </p:nvPr>
+        </p:nvSpPr>
+        <p:spPr/>
+        <p:txBody>
+          <a:bodyPr>
+            <a:normAutofit/>
+          </a:bodyPr>
+          <a:lstStyle/>
+          <a:p>
+            <a:r>
+              <a:rPr lang="en-US" dirty="0" err="1" smtClean="0"/>
+              <a:t>Maak</a:t>
+            </a:r>
+            <a:r>
+              <a:rPr lang="en-US" dirty="0" smtClean="0"/>
+              <a:t> het project </a:t>
+            </a:r>
+            <a:r>
+              <a:rPr lang="en-US" dirty="0" err="1" smtClean="0"/>
+              <a:t>aan</a:t>
+            </a:r>
+            <a:endParaRPr lang="en-US" dirty="0"/>
+          </a:p>
+          <a:p>
+            <a:r>
+              <a:rPr lang="en-US" dirty="0" smtClean="0"/>
+              <a:t>Deploy Web package </a:t>
+            </a:r>
+            <a:r>
+              <a:rPr lang="en-US" dirty="0" err="1" smtClean="0"/>
+              <a:t>naar</a:t>
+            </a:r>
+            <a:r>
+              <a:rPr lang="en-US" dirty="0" smtClean="0"/>
+              <a:t> webserver role</a:t>
+            </a:r>
+            <a:endParaRPr lang="en-US" dirty="0"/>
+          </a:p>
+          <a:p>
+            <a:pPr lvl="1"/>
+            <a:r>
+              <a:rPr lang="en-US" dirty="0" smtClean="0"/>
+              <a:t>Run </a:t>
+            </a:r>
+            <a:r>
+              <a:rPr lang="en-US" dirty="0" err="1" smtClean="0"/>
+              <a:t>config</a:t>
+            </a:r>
+            <a:r>
+              <a:rPr lang="en-US" dirty="0" smtClean="0"/>
+              <a:t> transforms</a:t>
+            </a:r>
+          </a:p>
+          <a:p>
+            <a:pPr lvl="1"/>
+            <a:r>
+              <a:rPr lang="en-US" dirty="0" smtClean="0"/>
+              <a:t>Switch IIS application path</a:t>
+            </a:r>
+            <a:endParaRPr lang="en-US" dirty="0"/>
+          </a:p>
+          <a:p>
+            <a:r>
+              <a:rPr lang="en-US" dirty="0" smtClean="0"/>
+              <a:t>Deploy DB migration package </a:t>
+            </a:r>
+            <a:r>
+              <a:rPr lang="en-US" dirty="0" err="1" smtClean="0"/>
+              <a:t>naar</a:t>
+            </a:r>
+            <a:r>
+              <a:rPr lang="en-US" dirty="0" smtClean="0"/>
+              <a:t> </a:t>
+            </a:r>
+            <a:r>
+              <a:rPr lang="en-US" dirty="0" err="1" smtClean="0"/>
+              <a:t>dbserver</a:t>
+            </a:r>
+            <a:r>
+              <a:rPr lang="en-US" dirty="0" smtClean="0"/>
+              <a:t> role</a:t>
+            </a:r>
+          </a:p>
+          <a:p>
+            <a:pPr lvl="1"/>
+            <a:r>
+              <a:rPr lang="en-US" dirty="0" smtClean="0"/>
+              <a:t>Run </a:t>
+            </a:r>
+            <a:r>
+              <a:rPr lang="en-US" dirty="0" err="1" smtClean="0"/>
+              <a:t>config</a:t>
+            </a:r>
+            <a:r>
+              <a:rPr lang="en-US" dirty="0" smtClean="0"/>
+              <a:t> transforms</a:t>
+            </a:r>
+          </a:p>
+          <a:p>
+            <a:pPr lvl="1"/>
+            <a:r>
+              <a:rPr lang="en-US" dirty="0" smtClean="0"/>
+              <a:t>Execute migrations</a:t>
+            </a:r>
+            <a:endParaRPr lang="en-US" dirty="0"/>
+          </a:p>
+          <a:p>
+            <a:r>
+              <a:rPr lang="en-US" dirty="0" smtClean="0"/>
+              <a:t>Extension points</a:t>
+            </a:r>
+          </a:p>
+          <a:p>
+            <a:pPr lvl="1"/>
+            <a:r>
+              <a:rPr lang="en-US" dirty="0" err="1" smtClean="0"/>
+              <a:t>Powershell</a:t>
+            </a:r>
+            <a:r>
+              <a:rPr lang="en-US" dirty="0" smtClean="0"/>
+              <a:t> scripts</a:t>
+            </a:r>
+          </a:p>
+          <a:p>
+            <a:pPr lvl="1"/>
+            <a:r>
+              <a:rPr lang="en-US" dirty="0" smtClean="0"/>
+              <a:t>PreDeploy.ps1, Deploy</a:t>
+            </a:r>
+            <a:r>
+              <a:rPr lang="en-US" dirty="0"/>
+              <a:t>.ps1</a:t>
+            </a:r>
+            <a:r>
+              <a:rPr lang="en-US" dirty="0" smtClean="0"/>
+              <a:t>, PostDeploy</a:t>
+            </a:r>
+            <a:r>
+              <a:rPr lang="en-US" dirty="0"/>
+              <a:t>.ps1</a:t>
+            </a:r>
+            <a:endParaRPr lang="nl-BE" dirty="0" smtClean="0"/>
+          </a:p>
+        </p:txBody>
+      </p:sp>
+    </p:spTree>
+    <p:extLst>
+      <p:ext uri="{BB962C8B-B14F-4D97-AF65-F5344CB8AC3E}">
+        <p14:creationId xmlns:p14="http://schemas.microsoft.com/office/powerpoint/2010/main" val="3459778437"/>
+      </p:ext>
+    </p:extLst>
+  </p:cSld>
+  <p:clrMapOvr>
+    <a:masterClrMapping/>
+  </p:clrMapOvr>
+  <p:timing>
+    <p:tnLst>
+      <p:par>
+        <p:cTn id="1" dur="indefinite" restart="never" nodeType="tmRoot"/>
+      </p:par>
+    </p:tnLst>
+  </p:timing>
+</p:sld>
+</file>
+
+<file path=ppt/slides/slide13.xml><?xml version="1.0" encoding="utf-8"?>
+<p:sld xmlns:a="http://schemas.openxmlformats.org/drawingml/2006/main" xmlns:r="http://schemas.openxmlformats.org/officeDocument/2006/relationships" xmlns:p="http://schemas.openxmlformats.org/presentationml/2006/main">
+  <p:cSld>
+    <p:spTree>
+      <p:nvGrpSpPr>
+        <p:cNvPr id="1" name=""/>
+        <p:cNvGrpSpPr/>
+        <p:nvPr/>
+      </p:nvGrpSpPr>
+      <p:grpSpPr>
+        <a:xfrm>
+          <a:off x="0" y="0"/>
+          <a:ext cx="0" cy="0"/>
+          <a:chOff x="0" y="0"/>
+          <a:chExt cx="0" cy="0"/>
+        </a:xfrm>
+      </p:grpSpPr>
+      <p:sp>
+        <p:nvSpPr>
+          <p:cNvPr id="5" name="Title 4"/>
+          <p:cNvSpPr>
+            <a:spLocks noGrp="1"/>
+          </p:cNvSpPr>
+          <p:nvPr>
+            <p:ph type="title"/>
+          </p:nvPr>
+        </p:nvSpPr>
+        <p:spPr/>
+        <p:txBody>
+          <a:bodyPr/>
+          <a:lstStyle/>
+          <a:p>
+            <a:r>
+              <a:rPr lang="nl-BE" dirty="0" smtClean="0"/>
+              <a:t>Extra’s</a:t>
+            </a:r>
+            <a:endParaRPr lang="nl-BE" dirty="0"/>
+          </a:p>
+        </p:txBody>
+      </p:sp>
+      <p:sp>
+        <p:nvSpPr>
+          <p:cNvPr id="6" name="Content Placeholder 5"/>
+          <p:cNvSpPr>
+            <a:spLocks noGrp="1"/>
+          </p:cNvSpPr>
+          <p:nvPr>
+            <p:ph idx="1"/>
+          </p:nvPr>
+        </p:nvSpPr>
+        <p:spPr/>
+        <p:txBody>
+          <a:bodyPr>
+            <a:normAutofit/>
+          </a:bodyPr>
+          <a:lstStyle/>
+          <a:p>
+            <a:r>
+              <a:rPr lang="en-US" dirty="0" smtClean="0"/>
+              <a:t>Retention policies</a:t>
+            </a:r>
+          </a:p>
+          <a:p>
+            <a:r>
+              <a:rPr lang="en-US" dirty="0"/>
+              <a:t>Tasks</a:t>
+            </a:r>
+            <a:endParaRPr lang="en-US" dirty="0" smtClean="0"/>
+          </a:p>
+          <a:p>
+            <a:r>
+              <a:rPr lang="en-US" dirty="0" smtClean="0"/>
+              <a:t>Manual intervention</a:t>
+            </a:r>
+          </a:p>
+          <a:p>
+            <a:r>
+              <a:rPr lang="en-US" dirty="0" err="1" smtClean="0"/>
+              <a:t>Automatisatie</a:t>
+            </a:r>
+            <a:r>
+              <a:rPr lang="en-US" dirty="0" smtClean="0"/>
+              <a:t> </a:t>
+            </a:r>
+            <a:r>
+              <a:rPr lang="en-US" dirty="0" err="1" smtClean="0"/>
+              <a:t>vanuit</a:t>
+            </a:r>
+            <a:r>
+              <a:rPr lang="en-US" dirty="0" smtClean="0"/>
+              <a:t> Team City</a:t>
+            </a:r>
+          </a:p>
+          <a:p>
+            <a:endParaRPr lang="en-US" dirty="0" smtClean="0"/>
+          </a:p>
+          <a:p>
+            <a:endParaRPr lang="nl-BE" dirty="0" smtClean="0"/>
+          </a:p>
+        </p:txBody>
+      </p:sp>
+    </p:spTree>
+    <p:extLst>
+      <p:ext uri="{BB962C8B-B14F-4D97-AF65-F5344CB8AC3E}">
+        <p14:creationId xmlns:p14="http://schemas.microsoft.com/office/powerpoint/2010/main" val="1375407886"/>
+      </p:ext>
+    </p:extLst>
+  </p:cSld>
+  <p:clrMapOvr>
+    <a:masterClrMapping/>
+  </p:clrMapOvr>
+  <p:timing>
+    <p:tnLst>
+      <p:par>
+        <p:cTn id="1" dur="indefinite" restart="never" nodeType="tmRoot"/>
+      </p:par>
+    </p:tnLst>
+  </p:timing>
+</p:sld>
+</file>
+
+<file path=ppt/slides/slide14.xml><?xml version="1.0" encoding="utf-8"?>
 <p:sld xmlns:a="http://schemas.openxmlformats.org/drawingml/2006/main" xmlns:r="http://schemas.openxmlformats.org/officeDocument/2006/relationships" xmlns:p="http://schemas.openxmlformats.org/presentationml/2006/main">
   <p:cSld>
     <p:spTree>
@@ -3192,23 +3735,51 @@
           <a:p>
             <a:r>
               <a:rPr lang="nl-BE" dirty="0" smtClean="0"/>
-              <a:t>Environments, m</a:t>
-            </a:r>
-            <a:r>
-              <a:rPr lang="nl-BE" dirty="0" smtClean="0"/>
-              <a:t>achines &amp; roles</a:t>
-            </a:r>
-          </a:p>
-          <a:p>
-            <a:r>
-              <a:rPr lang="nl-BE" dirty="0" smtClean="0"/>
-              <a:t>Maak uw applicatie ‘Octopus deployable’</a:t>
-            </a:r>
-          </a:p>
-          <a:p>
-            <a:r>
-              <a:rPr lang="nl-BE" dirty="0" smtClean="0"/>
-              <a:t>Definieer het deployment proces</a:t>
+              <a:t>Environments, machines &amp; </a:t>
+            </a:r>
+            <a:r>
+              <a:rPr lang="nl-BE" dirty="0" smtClean="0"/>
+              <a:t>roles</a:t>
+            </a:r>
+          </a:p>
+          <a:p>
+            <a:r>
+              <a:rPr lang="nl-BE" dirty="0" smtClean="0"/>
+              <a:t>Demo-omgeving</a:t>
+            </a:r>
+            <a:endParaRPr lang="nl-BE" dirty="0" smtClean="0"/>
+          </a:p>
+          <a:p>
+            <a:r>
+              <a:rPr lang="nl-BE" dirty="0" smtClean="0"/>
+              <a:t>Maak uw applicatie </a:t>
+            </a:r>
+            <a:r>
+              <a:rPr lang="nl-BE" dirty="0" smtClean="0"/>
+              <a:t>‘deployable’</a:t>
+            </a:r>
+          </a:p>
+          <a:p>
+            <a:r>
+              <a:rPr lang="nl-BE" dirty="0" smtClean="0"/>
+              <a:t>Configureer Octopus</a:t>
+            </a:r>
+            <a:endParaRPr lang="nl-BE" dirty="0" smtClean="0"/>
+          </a:p>
+          <a:p>
+            <a:r>
+              <a:rPr lang="nl-BE" dirty="0" smtClean="0"/>
+              <a:t>Definieer het deployment </a:t>
+            </a:r>
+            <a:r>
+              <a:rPr lang="nl-BE" dirty="0" smtClean="0"/>
+              <a:t>proces</a:t>
+            </a:r>
+          </a:p>
+          <a:p>
+            <a:r>
+              <a:rPr lang="nl-BE" dirty="0" smtClean="0"/>
+              <a:t>Extra’s</a:t>
             </a:r>
             <a:endParaRPr lang="nl-BE" dirty="0"/>
           </a:p>
@@ -3456,7 +4027,11 @@
             <a:pPr lvl="1"/>
             <a:r>
               <a:rPr lang="nl-BE" dirty="0" smtClean="0"/>
-              <a:t>ClickOne WCF en WinForms applicaties</a:t>
+              <a:t>ClickOnce WPF </a:t>
+            </a:r>
+            <a:r>
+              <a:rPr lang="nl-BE" dirty="0" smtClean="0"/>
+              <a:t>en WinForms applicaties</a:t>
             </a:r>
           </a:p>
           <a:p>
@@ -3561,11 +4136,7 @@
           <a:p>
             <a:r>
               <a:rPr lang="nl-BE" dirty="0" smtClean="0"/>
-              <a:t>Verschillende c</a:t>
-            </a:r>
-            <a:r>
-              <a:rPr lang="nl-BE" dirty="0" smtClean="0"/>
-              <a:t>omponenten</a:t>
+              <a:t>Verschillende componenten</a:t>
             </a:r>
             <a:endParaRPr lang="nl-BE" dirty="0"/>
           </a:p>
@@ -4184,7 +4755,22 @@
           <a:p>
             <a:r>
               <a:rPr lang="nl-BE" dirty="0" smtClean="0"/>
-              <a:t>Environment: omgeving naar waar je wil deployen</a:t>
+              <a:t>Environment</a:t>
+            </a:r>
+          </a:p>
+          <a:p>
+            <a:pPr lvl="1"/>
+            <a:r>
+              <a:rPr lang="nl-BE" dirty="0"/>
+              <a:t>O</a:t>
+            </a:r>
+            <a:r>
+              <a:rPr lang="nl-BE" dirty="0" smtClean="0"/>
+              <a:t>mgeving </a:t>
+            </a:r>
+            <a:r>
+              <a:rPr lang="nl-BE" dirty="0" smtClean="0"/>
+              <a:t>naar waar je wil deployen</a:t>
             </a:r>
           </a:p>
           <a:p>
@@ -4201,11 +4787,22 @@
           <a:p>
             <a:r>
               <a:rPr lang="nl-BE" dirty="0" smtClean="0"/>
-              <a:t>Machine: server naar waar je </a:t>
-            </a:r>
-            <a:r>
-              <a:rPr lang="nl-BE" smtClean="0"/>
-              <a:t>wil deployen</a:t>
+              <a:t>Machine</a:t>
+            </a:r>
+          </a:p>
+          <a:p>
+            <a:pPr lvl="1"/>
+            <a:r>
+              <a:rPr lang="nl-BE" dirty="0" smtClean="0"/>
+              <a:t>S</a:t>
+            </a:r>
+            <a:r>
+              <a:rPr lang="nl-BE" dirty="0" smtClean="0"/>
+              <a:t>erver </a:t>
+            </a:r>
+            <a:r>
+              <a:rPr lang="nl-BE" dirty="0" smtClean="0"/>
+              <a:t>naar waar je wil deployen</a:t>
             </a:r>
           </a:p>
           <a:p>
@@ -4214,8 +4811,28 @@
           <a:p>
             <a:r>
               <a:rPr lang="nl-BE" dirty="0" smtClean="0"/>
-              <a:t>Role: bepaald de functie van een machine</a:t>
-            </a:r>
+              <a:t>Role</a:t>
+            </a:r>
+          </a:p>
+          <a:p>
+            <a:pPr lvl="1"/>
+            <a:r>
+              <a:rPr lang="nl-BE" dirty="0"/>
+              <a:t>B</a:t>
+            </a:r>
+            <a:r>
+              <a:rPr lang="nl-BE" dirty="0" smtClean="0"/>
+              <a:t>epaald </a:t>
+            </a:r>
+            <a:r>
+              <a:rPr lang="nl-BE" dirty="0" smtClean="0"/>
+              <a:t>de functie van een </a:t>
+            </a:r>
+            <a:r>
+              <a:rPr lang="nl-BE" dirty="0" smtClean="0"/>
+              <a:t>machine</a:t>
+            </a:r>
+            <a:endParaRPr lang="nl-BE" dirty="0" smtClean="0"/>
           </a:p>
           <a:p>
             <a:pPr lvl="1"/>
@@ -4279,12 +4896,8 @@
           <a:lstStyle/>
           <a:p>
             <a:r>
-              <a:rPr lang="nl-BE" dirty="0"/>
-              <a:t>Maak uw applicatie </a:t>
-            </a:r>
-            <a:r>
-              <a:rPr lang="nl-BE" dirty="0" smtClean="0"/>
-              <a:t>‘deployable’</a:t>
+              <a:rPr lang="nl-BE" dirty="0" smtClean="0"/>
+              <a:t>Demo-omgeving</a:t>
             </a:r>
             <a:endParaRPr lang="nl-BE" dirty="0"/>
           </a:p>
@@ -4309,48 +4922,87 @@
           <a:p>
             <a:r>
               <a:rPr lang="nl-BE" dirty="0" smtClean="0"/>
-              <a:t>Installeer OctoPack</a:t>
+              <a:t>Eenvoudige ASP.NET MVC webapplicatie</a:t>
             </a:r>
           </a:p>
           <a:p>
             <a:pPr lvl="1"/>
             <a:r>
               <a:rPr lang="nl-BE" dirty="0" smtClean="0"/>
-              <a:t>NuGet: install-package OctoPack</a:t>
-            </a:r>
-          </a:p>
-          <a:p>
-            <a:r>
-              <a:rPr lang="nl-BE" dirty="0" smtClean="0"/>
-              <a:t>Lanceer MSBuild met argument RunOctoPack</a:t>
+              <a:t>Toont lijst van QFrame werknemers</a:t>
             </a:r>
           </a:p>
           <a:p>
             <a:pPr lvl="1"/>
             <a:r>
               <a:rPr lang="nl-BE" dirty="0" smtClean="0"/>
-              <a:t>Maakt een deployment package van je project</a:t>
-            </a:r>
+              <a:t>SQL Server DB</a:t>
+            </a:r>
+            <a:endParaRPr lang="nl-BE" dirty="0" smtClean="0"/>
+          </a:p>
+          <a:p>
+            <a:r>
+              <a:rPr lang="nl-BE" dirty="0" smtClean="0"/>
+              <a:t>Git source controlled</a:t>
+            </a:r>
+          </a:p>
+          <a:p>
+            <a:r>
+              <a:rPr lang="nl-BE" dirty="0" smtClean="0">
+                <a:hlinkClick r:id="rId2"/>
+              </a:rPr>
+              <a:t>Team City CI build</a:t>
+            </a:r>
+            <a:endParaRPr lang="nl-BE" dirty="0"/>
           </a:p>
           <a:p>
             <a:pPr lvl="1"/>
             <a:r>
               <a:rPr lang="nl-BE" dirty="0" smtClean="0"/>
-              <a:t>Herbruikt het NuGet package format</a:t>
-            </a:r>
-          </a:p>
-          <a:p>
-            <a:r>
-              <a:rPr lang="nl-BE" dirty="0" smtClean="0"/>
-              <a:t>Publish de deployment package naar een NuGet feed</a:t>
-            </a:r>
+              <a:t>Wordt getriggerd bij check in</a:t>
+            </a:r>
+          </a:p>
+          <a:p>
+            <a:pPr lvl="1"/>
+            <a:r>
+              <a:rPr lang="nl-BE" dirty="0" smtClean="0"/>
+              <a:t>Deployment packages op integrated NuGet feed</a:t>
+            </a:r>
+          </a:p>
+          <a:p>
+            <a:r>
+              <a:rPr lang="nl-BE" dirty="0" smtClean="0">
+                <a:hlinkClick r:id="rId3"/>
+              </a:rPr>
+              <a:t>Octopus Deploy</a:t>
+            </a:r>
+            <a:endParaRPr lang="nl-BE" dirty="0" smtClean="0"/>
+          </a:p>
+          <a:p>
+            <a:pPr lvl="1"/>
+            <a:r>
+              <a:rPr lang="nl-BE" dirty="0" smtClean="0"/>
+              <a:t>Connecteert op NuGet feed van </a:t>
+            </a:r>
+            <a:r>
+              <a:rPr lang="nl-BE" dirty="0"/>
+              <a:t>Team </a:t>
+            </a:r>
+            <a:r>
+              <a:rPr lang="nl-BE" dirty="0" smtClean="0"/>
+              <a:t>City</a:t>
+            </a:r>
+            <a:endParaRPr lang="nl-BE" dirty="0" smtClean="0"/>
+          </a:p>
+          <a:p>
+            <a:endParaRPr lang="nl-BE" dirty="0" smtClean="0"/>
           </a:p>
         </p:txBody>
       </p:sp>
     </p:spTree>
     <p:extLst>
       <p:ext uri="{BB962C8B-B14F-4D97-AF65-F5344CB8AC3E}">
-        <p14:creationId xmlns:p14="http://schemas.microsoft.com/office/powerpoint/2010/main" val="2894932707"/>
+        <p14:creationId xmlns:p14="http://schemas.microsoft.com/office/powerpoint/2010/main" val="4000493061"/>
       </p:ext>
     </p:extLst>
   </p:cSld>
@@ -5161,12 +5813,9 @@
 </file>
 
 <file path=customXml/item1.xml><?xml version="1.0" encoding="utf-8"?>
-<?mso-contentType ?>
-<FormTemplates xmlns="http://schemas.microsoft.com/sharepoint/v3/contenttype/forms">
-  <Display>DocumentLibraryForm</Display>
-  <Edit>DocumentLibraryForm</Edit>
-  <New>DocumentLibraryForm</New>
-</FormTemplates>
+<p:properties xmlns:p="http://schemas.microsoft.com/office/2006/metadata/properties" xmlns:xsi="http://www.w3.org/2001/XMLSchema-instance" xmlns:pc="http://schemas.microsoft.com/office/infopath/2007/PartnerControls">
+  <documentManagement/>
+</p:properties>
 </file>
 
 <file path=customXml/item2.xml><?xml version="1.0" encoding="utf-8"?>
@@ -5284,15 +5933,25 @@
 </file>
 
 <file path=customXml/item3.xml><?xml version="1.0" encoding="utf-8"?>
-<p:properties xmlns:p="http://schemas.microsoft.com/office/2006/metadata/properties" xmlns:xsi="http://www.w3.org/2001/XMLSchema-instance" xmlns:pc="http://schemas.microsoft.com/office/infopath/2007/PartnerControls">
-  <documentManagement/>
-</p:properties>
+<?mso-contentType ?>
+<FormTemplates xmlns="http://schemas.microsoft.com/sharepoint/v3/contenttype/forms">
+  <Display>DocumentLibraryForm</Display>
+  <Edit>DocumentLibraryForm</Edit>
+  <New>DocumentLibraryForm</New>
+</FormTemplates>
 </file>
 
 <file path=customXml/itemProps1.xml><?xml version="1.0" encoding="utf-8"?>
-<ds:datastoreItem xmlns:ds="http://schemas.openxmlformats.org/officeDocument/2006/customXml" ds:itemID="{D1F7498C-F9C2-422B-BC41-0960A3F778D1}">
+<ds:datastoreItem xmlns:ds="http://schemas.openxmlformats.org/officeDocument/2006/customXml" ds:itemID="{99174808-9C2B-4902-8C9D-44348A1FD8BB}">
   <ds:schemaRefs>
-    <ds:schemaRef ds:uri="http://schemas.microsoft.com/sharepoint/v3/contenttype/forms"/>
+    <ds:schemaRef ds:uri="http://www.w3.org/XML/1998/namespace"/>
+    <ds:schemaRef ds:uri="http://schemas.openxmlformats.org/package/2006/metadata/core-properties"/>
+    <ds:schemaRef ds:uri="http://purl.org/dc/elements/1.1/"/>
+    <ds:schemaRef ds:uri="http://purl.org/dc/terms/"/>
+    <ds:schemaRef ds:uri="http://schemas.microsoft.com/office/2006/documentManagement/types"/>
+    <ds:schemaRef ds:uri="http://purl.org/dc/dcmitype/"/>
+    <ds:schemaRef ds:uri="http://schemas.microsoft.com/office/infopath/2007/PartnerControls"/>
+    <ds:schemaRef ds:uri="http://schemas.microsoft.com/office/2006/metadata/properties"/>
   </ds:schemaRefs>
 </ds:datastoreItem>
 </file>
@@ -5314,16 +5973,9 @@
 </file>
 
 <file path=customXml/itemProps3.xml><?xml version="1.0" encoding="utf-8"?>
-<ds:datastoreItem xmlns:ds="http://schemas.openxmlformats.org/officeDocument/2006/customXml" ds:itemID="{99174808-9C2B-4902-8C9D-44348A1FD8BB}">
+<ds:datastoreItem xmlns:ds="http://schemas.openxmlformats.org/officeDocument/2006/customXml" ds:itemID="{D1F7498C-F9C2-422B-BC41-0960A3F778D1}">
   <ds:schemaRefs>
-    <ds:schemaRef ds:uri="http://www.w3.org/XML/1998/namespace"/>
-    <ds:schemaRef ds:uri="http://schemas.openxmlformats.org/package/2006/metadata/core-properties"/>
-    <ds:schemaRef ds:uri="http://purl.org/dc/elements/1.1/"/>
-    <ds:schemaRef ds:uri="http://purl.org/dc/terms/"/>
-    <ds:schemaRef ds:uri="http://schemas.microsoft.com/office/2006/documentManagement/types"/>
-    <ds:schemaRef ds:uri="http://purl.org/dc/dcmitype/"/>
-    <ds:schemaRef ds:uri="http://schemas.microsoft.com/office/infopath/2007/PartnerControls"/>
-    <ds:schemaRef ds:uri="http://schemas.microsoft.com/office/2006/metadata/properties"/>
+    <ds:schemaRef ds:uri="http://schemas.microsoft.com/sharepoint/v3/contenttype/forms"/>
   </ds:schemaRefs>
 </ds:datastoreItem>
 </file>
--- a/Presentatie.pptx
+++ b/Presentatie.pptx
@@ -5,10 +5,10 @@
     <p:sldMasterId id="2147483648" r:id="rId4"/>
   </p:sldMasterIdLst>
   <p:notesMasterIdLst>
-    <p:notesMasterId r:id="rId19"/>
+    <p:notesMasterId r:id="rId20"/>
   </p:notesMasterIdLst>
   <p:handoutMasterIdLst>
-    <p:handoutMasterId r:id="rId20"/>
+    <p:handoutMasterId r:id="rId21"/>
   </p:handoutMasterIdLst>
   <p:sldIdLst>
     <p:sldId id="256" r:id="rId5"/>
@@ -19,12 +19,13 @@
     <p:sldId id="266" r:id="rId10"/>
     <p:sldId id="267" r:id="rId11"/>
     <p:sldId id="268" r:id="rId12"/>
-    <p:sldId id="272" r:id="rId13"/>
-    <p:sldId id="269" r:id="rId14"/>
-    <p:sldId id="270" r:id="rId15"/>
-    <p:sldId id="273" r:id="rId16"/>
-    <p:sldId id="274" r:id="rId17"/>
-    <p:sldId id="271" r:id="rId18"/>
+    <p:sldId id="275" r:id="rId13"/>
+    <p:sldId id="272" r:id="rId14"/>
+    <p:sldId id="269" r:id="rId15"/>
+    <p:sldId id="270" r:id="rId16"/>
+    <p:sldId id="273" r:id="rId17"/>
+    <p:sldId id="274" r:id="rId18"/>
+    <p:sldId id="271" r:id="rId19"/>
   </p:sldIdLst>
   <p:sldSz cx="9144000" cy="6858000" type="screen4x3"/>
   <p:notesSz cx="6858000" cy="9144000"/>
@@ -125,7 +126,7 @@
   </p:defaultTextStyle>
   <p:extLst>
     <p:ext uri="{EFAFB233-063F-42B5-8137-9DF3F51BA10A}">
-      <p15:sldGuideLst xmlns:p15="http://schemas.microsoft.com/office/powerpoint/2012/main" xmlns="">
+      <p15:sldGuideLst xmlns="" xmlns:p15="http://schemas.microsoft.com/office/powerpoint/2012/main">
         <p15:guide id="1" orient="horz" pos="2160">
           <p15:clr>
             <a:srgbClr val="A4A3A4"/>
@@ -224,7 +225,7 @@
           <a:p>
             <a:fld id="{EE6C105D-2CF9-41DB-85FD-D66740423677}" type="datetimeFigureOut">
               <a:rPr lang="nl-BE" smtClean="0"/>
-              <a:t>12/05/2014</a:t>
+              <a:t>19/05/2014</a:t>
             </a:fld>
             <a:endParaRPr lang="nl-BE"/>
           </a:p>
@@ -390,7 +391,7 @@
             <a:fld id="{EB0EBD4C-DAF9-4E72-A1A4-1160C8AA0ED9}" type="datetimeFigureOut">
               <a:rPr lang="nl-BE" smtClean="0"/>
               <a:pPr/>
-              <a:t>12/05/2014</a:t>
+              <a:t>19/05/2014</a:t>
             </a:fld>
             <a:endParaRPr lang="nl-BE"/>
           </a:p>
@@ -727,7 +728,100 @@
             <a:fld id="{D51253A1-6239-4477-A3B0-2072521666AE}" type="slidenum">
               <a:rPr lang="nl-BE" smtClean="0"/>
               <a:pPr/>
-              <a:t>10</a:t>
+              <a:t>9</a:t>
+            </a:fld>
+            <a:endParaRPr lang="nl-BE"/>
+          </a:p>
+        </p:txBody>
+      </p:sp>
+    </p:spTree>
+    <p:extLst>
+      <p:ext uri="{BB962C8B-B14F-4D97-AF65-F5344CB8AC3E}">
+        <p14:creationId xmlns:p14="http://schemas.microsoft.com/office/powerpoint/2010/main" val="4238167342"/>
+      </p:ext>
+    </p:extLst>
+  </p:cSld>
+  <p:clrMapOvr>
+    <a:masterClrMapping/>
+  </p:clrMapOvr>
+</p:notes>
+</file>
+
+<file path=ppt/notesSlides/notesSlide2.xml><?xml version="1.0" encoding="utf-8"?>
+<p:notes xmlns:a="http://schemas.openxmlformats.org/drawingml/2006/main" xmlns:r="http://schemas.openxmlformats.org/officeDocument/2006/relationships" xmlns:p="http://schemas.openxmlformats.org/presentationml/2006/main">
+  <p:cSld>
+    <p:spTree>
+      <p:nvGrpSpPr>
+        <p:cNvPr id="1" name=""/>
+        <p:cNvGrpSpPr/>
+        <p:nvPr/>
+      </p:nvGrpSpPr>
+      <p:grpSpPr>
+        <a:xfrm>
+          <a:off x="0" y="0"/>
+          <a:ext cx="0" cy="0"/>
+          <a:chOff x="0" y="0"/>
+          <a:chExt cx="0" cy="0"/>
+        </a:xfrm>
+      </p:grpSpPr>
+      <p:sp>
+        <p:nvSpPr>
+          <p:cNvPr id="2" name="Slide Image Placeholder 1"/>
+          <p:cNvSpPr>
+            <a:spLocks noGrp="1" noRot="1" noChangeAspect="1"/>
+          </p:cNvSpPr>
+          <p:nvPr>
+            <p:ph type="sldImg"/>
+          </p:nvPr>
+        </p:nvSpPr>
+        <p:spPr/>
+      </p:sp>
+      <p:sp>
+        <p:nvSpPr>
+          <p:cNvPr id="3" name="Notes Placeholder 2"/>
+          <p:cNvSpPr>
+            <a:spLocks noGrp="1"/>
+          </p:cNvSpPr>
+          <p:nvPr>
+            <p:ph type="body" idx="1"/>
+          </p:nvPr>
+        </p:nvSpPr>
+        <p:spPr/>
+        <p:txBody>
+          <a:bodyPr/>
+          <a:lstStyle/>
+          <a:p>
+            <a:r>
+              <a:rPr lang="nl-BE" dirty="0" smtClean="0"/>
+              <a:t>Config transforms</a:t>
+            </a:r>
+            <a:r>
+              <a:rPr lang="nl-BE" baseline="0" dirty="0" smtClean="0"/>
+              <a:t> toelichten xdt:Locator &amp; xdt:Transform</a:t>
+            </a:r>
+            <a:endParaRPr lang="nl-BE" dirty="0"/>
+          </a:p>
+        </p:txBody>
+      </p:sp>
+      <p:sp>
+        <p:nvSpPr>
+          <p:cNvPr id="4" name="Slide Number Placeholder 3"/>
+          <p:cNvSpPr>
+            <a:spLocks noGrp="1"/>
+          </p:cNvSpPr>
+          <p:nvPr>
+            <p:ph type="sldNum" sz="quarter" idx="10"/>
+          </p:nvPr>
+        </p:nvSpPr>
+        <p:spPr/>
+        <p:txBody>
+          <a:bodyPr/>
+          <a:lstStyle/>
+          <a:p>
+            <a:fld id="{D51253A1-6239-4477-A3B0-2072521666AE}" type="slidenum">
+              <a:rPr lang="nl-BE" smtClean="0"/>
+              <a:pPr/>
+              <a:t>11</a:t>
             </a:fld>
             <a:endParaRPr lang="nl-BE"/>
           </a:p>
@@ -2945,12 +3039,8 @@
           <a:lstStyle/>
           <a:p>
             <a:r>
-              <a:rPr lang="nl-BE" dirty="0"/>
-              <a:t>Maak uw applicatie </a:t>
-            </a:r>
-            <a:r>
-              <a:rPr lang="nl-BE" dirty="0" smtClean="0"/>
-              <a:t>‘deployable’</a:t>
+              <a:rPr lang="nl-BE" dirty="0" smtClean="0"/>
+              <a:t>Demo-omgeving</a:t>
             </a:r>
             <a:endParaRPr lang="nl-BE" dirty="0"/>
           </a:p>
@@ -2975,58 +3065,93 @@
           <a:p>
             <a:r>
               <a:rPr lang="nl-BE" dirty="0" smtClean="0"/>
-              <a:t>Voeg config transformaties toe</a:t>
-            </a:r>
-          </a:p>
-          <a:p>
-            <a:r>
-              <a:rPr lang="nl-BE" dirty="0" smtClean="0"/>
-              <a:t>Installeer </a:t>
-            </a:r>
-            <a:r>
-              <a:rPr lang="nl-BE" dirty="0" smtClean="0"/>
-              <a:t>OctoPack</a:t>
+              <a:t>Eenvoudige ASP.NET MVC webapplicatie</a:t>
             </a:r>
           </a:p>
           <a:p>
             <a:pPr lvl="1"/>
             <a:r>
               <a:rPr lang="nl-BE" dirty="0" smtClean="0"/>
-              <a:t>NuGet: install-package OctoPack</a:t>
-            </a:r>
-          </a:p>
-          <a:p>
-            <a:r>
-              <a:rPr lang="nl-BE" dirty="0" smtClean="0"/>
-              <a:t>Lanceer MSBuild met argument RunOctoPack</a:t>
+              <a:t>Toont lijst van QFrame werknemers</a:t>
             </a:r>
           </a:p>
           <a:p>
             <a:pPr lvl="1"/>
             <a:r>
               <a:rPr lang="nl-BE" dirty="0" smtClean="0"/>
-              <a:t>Maakt een deployment package van je project</a:t>
-            </a:r>
+              <a:t>SQL Server DB</a:t>
+            </a:r>
+          </a:p>
+          <a:p>
+            <a:r>
+              <a:rPr lang="nl-BE" dirty="0" smtClean="0"/>
+              <a:t>Git source controlled</a:t>
+            </a:r>
+          </a:p>
+          <a:p>
+            <a:r>
+              <a:rPr lang="nl-BE" dirty="0" smtClean="0">
+                <a:hlinkClick r:id="rId2"/>
+              </a:rPr>
+              <a:t>Team City CI build</a:t>
+            </a:r>
+            <a:endParaRPr lang="nl-BE" dirty="0"/>
           </a:p>
           <a:p>
             <a:pPr lvl="1"/>
             <a:r>
               <a:rPr lang="nl-BE" dirty="0" smtClean="0"/>
-              <a:t>Herbruikt het NuGet package format</a:t>
-            </a:r>
-          </a:p>
-          <a:p>
-            <a:r>
-              <a:rPr lang="nl-BE" dirty="0" smtClean="0"/>
-              <a:t>Publish de deployment package naar een NuGet feed</a:t>
-            </a:r>
+              <a:t>Wordt </a:t>
+            </a:r>
+            <a:r>
+              <a:rPr lang="nl-BE" dirty="0" smtClean="0"/>
+              <a:t>getriggerd </a:t>
+            </a:r>
+            <a:r>
+              <a:rPr lang="nl-BE" dirty="0" smtClean="0"/>
+              <a:t>bij check in</a:t>
+            </a:r>
+          </a:p>
+          <a:p>
+            <a:pPr lvl="1"/>
+            <a:r>
+              <a:rPr lang="nl-BE" dirty="0" smtClean="0"/>
+              <a:t>Deployment packages op integrated NuGet feed</a:t>
+            </a:r>
+          </a:p>
+          <a:p>
+            <a:r>
+              <a:rPr lang="nl-BE" dirty="0" smtClean="0">
+                <a:hlinkClick r:id="rId3"/>
+              </a:rPr>
+              <a:t>Octopus Deploy</a:t>
+            </a:r>
+            <a:endParaRPr lang="nl-BE" dirty="0" smtClean="0"/>
+          </a:p>
+          <a:p>
+            <a:pPr lvl="1"/>
+            <a:r>
+              <a:rPr lang="nl-BE" dirty="0" smtClean="0"/>
+              <a:t>Connecteert op NuGet feed van </a:t>
+            </a:r>
+            <a:r>
+              <a:rPr lang="nl-BE" dirty="0"/>
+              <a:t>Team </a:t>
+            </a:r>
+            <a:r>
+              <a:rPr lang="nl-BE" dirty="0" smtClean="0"/>
+              <a:t>City</a:t>
+            </a:r>
+          </a:p>
+          <a:p>
+            <a:endParaRPr lang="nl-BE" dirty="0" smtClean="0"/>
           </a:p>
         </p:txBody>
       </p:sp>
     </p:spTree>
     <p:extLst>
       <p:ext uri="{BB962C8B-B14F-4D97-AF65-F5344CB8AC3E}">
-        <p14:creationId xmlns:p14="http://schemas.microsoft.com/office/powerpoint/2010/main" val="2894932707"/>
+        <p14:creationId xmlns:p14="http://schemas.microsoft.com/office/powerpoint/2010/main" val="4000493061"/>
       </p:ext>
     </p:extLst>
   </p:cSld>
@@ -3076,8 +3201,12 @@
           <a:lstStyle/>
           <a:p>
             <a:r>
-              <a:rPr lang="nl-BE" dirty="0" smtClean="0"/>
-              <a:t>Configureer Octopus</a:t>
+              <a:rPr lang="nl-BE" dirty="0"/>
+              <a:t>Maak uw applicatie </a:t>
+            </a:r>
+            <a:r>
+              <a:rPr lang="nl-BE" dirty="0" smtClean="0"/>
+              <a:t>‘deployable’</a:t>
             </a:r>
             <a:endParaRPr lang="nl-BE" dirty="0"/>
           </a:p>
@@ -3101,135 +3230,55 @@
           <a:lstStyle/>
           <a:p>
             <a:r>
-              <a:rPr lang="en-US" dirty="0" err="1" smtClean="0"/>
-              <a:t>Definieer</a:t>
-            </a:r>
-            <a:r>
-              <a:rPr lang="en-US" dirty="0" smtClean="0"/>
-              <a:t> de environments</a:t>
+              <a:rPr lang="nl-BE" dirty="0" smtClean="0"/>
+              <a:t>Voeg config transformaties toe</a:t>
+            </a:r>
+          </a:p>
+          <a:p>
+            <a:r>
+              <a:rPr lang="nl-BE" dirty="0" smtClean="0"/>
+              <a:t>Installeer OctoPack</a:t>
             </a:r>
           </a:p>
           <a:p>
             <a:pPr lvl="1"/>
             <a:r>
-              <a:rPr lang="en-US" dirty="0" smtClean="0"/>
-              <a:t>Test, Acceptance, Production</a:t>
+              <a:rPr lang="nl-BE" dirty="0" smtClean="0"/>
+              <a:t>NuGet: install-package OctoPack</a:t>
+            </a:r>
+          </a:p>
+          <a:p>
+            <a:r>
+              <a:rPr lang="nl-BE" dirty="0" smtClean="0"/>
+              <a:t>Lanceer MSBuild met argument RunOctoPack</a:t>
             </a:r>
           </a:p>
           <a:p>
             <a:pPr lvl="1"/>
-            <a:endParaRPr lang="en-US" dirty="0" smtClean="0"/>
-          </a:p>
-          <a:p>
-            <a:r>
-              <a:rPr lang="en-US" dirty="0" err="1" smtClean="0"/>
-              <a:t>Installeer</a:t>
-            </a:r>
-            <a:r>
-              <a:rPr lang="en-US" dirty="0" smtClean="0"/>
-              <a:t> </a:t>
-            </a:r>
-            <a:r>
-              <a:rPr lang="en-US" dirty="0" err="1" smtClean="0"/>
-              <a:t>een</a:t>
-            </a:r>
-            <a:r>
-              <a:rPr lang="en-US" dirty="0" smtClean="0"/>
-              <a:t> tentacle </a:t>
-            </a:r>
-            <a:r>
-              <a:rPr lang="en-US" dirty="0" err="1" smtClean="0"/>
-              <a:t>voor</a:t>
-            </a:r>
-            <a:r>
-              <a:rPr lang="en-US" dirty="0" smtClean="0"/>
-              <a:t> de </a:t>
-            </a:r>
-            <a:r>
-              <a:rPr lang="en-US" dirty="0" err="1" smtClean="0"/>
-              <a:t>testomgeving</a:t>
-            </a:r>
-            <a:endParaRPr lang="en-US" dirty="0" smtClean="0"/>
+            <a:r>
+              <a:rPr lang="nl-BE" dirty="0" smtClean="0"/>
+              <a:t>Maakt een deployment package van je project</a:t>
+            </a:r>
           </a:p>
           <a:p>
             <a:pPr lvl="1"/>
             <a:r>
-              <a:rPr lang="en-US" dirty="0" smtClean="0"/>
-              <a:t>Listening tentacle</a:t>
-            </a:r>
-          </a:p>
-          <a:p>
-            <a:pPr lvl="1"/>
-            <a:r>
-              <a:rPr lang="en-US" dirty="0" smtClean="0"/>
-              <a:t>Roles: </a:t>
-            </a:r>
-            <a:r>
-              <a:rPr lang="en-US" dirty="0" err="1" smtClean="0"/>
-              <a:t>dbserver</a:t>
-            </a:r>
-            <a:r>
-              <a:rPr lang="en-US" dirty="0"/>
-              <a:t> </a:t>
-            </a:r>
-            <a:r>
-              <a:rPr lang="en-US" dirty="0" smtClean="0"/>
-              <a:t>en webserver</a:t>
-            </a:r>
-          </a:p>
-          <a:p>
-            <a:pPr lvl="1"/>
-            <a:endParaRPr lang="en-US" dirty="0" smtClean="0"/>
-          </a:p>
-          <a:p>
-            <a:r>
-              <a:rPr lang="en-US" dirty="0" smtClean="0"/>
-              <a:t>Leg </a:t>
-            </a:r>
-            <a:r>
-              <a:rPr lang="en-US" dirty="0" err="1" smtClean="0"/>
-              <a:t>een</a:t>
-            </a:r>
-            <a:r>
-              <a:rPr lang="en-US" dirty="0" smtClean="0"/>
-              <a:t> </a:t>
-            </a:r>
-            <a:r>
-              <a:rPr lang="en-US" dirty="0" err="1" smtClean="0"/>
-              <a:t>connectie</a:t>
-            </a:r>
-            <a:r>
-              <a:rPr lang="en-US" dirty="0" smtClean="0"/>
-              <a:t> </a:t>
-            </a:r>
-            <a:r>
-              <a:rPr lang="en-US" dirty="0" err="1" smtClean="0"/>
-              <a:t>naar</a:t>
-            </a:r>
-            <a:r>
-              <a:rPr lang="en-US" dirty="0" smtClean="0"/>
-              <a:t> de </a:t>
-            </a:r>
-            <a:r>
-              <a:rPr lang="en-US" dirty="0" err="1" smtClean="0"/>
-              <a:t>NuGe</a:t>
-            </a:r>
-            <a:r>
-              <a:rPr lang="en-US" dirty="0" err="1" smtClean="0"/>
-              <a:t>t</a:t>
-            </a:r>
-            <a:r>
-              <a:rPr lang="en-US" dirty="0" smtClean="0"/>
-              <a:t> feed van Team City</a:t>
-            </a:r>
-            <a:endParaRPr lang="nl-BE" dirty="0" smtClean="0"/>
+              <a:rPr lang="nl-BE" dirty="0" smtClean="0"/>
+              <a:t>Herbruikt het NuGet package format</a:t>
+            </a:r>
+          </a:p>
+          <a:p>
+            <a:r>
+              <a:rPr lang="nl-BE" dirty="0" smtClean="0"/>
+              <a:t>Publish de deployment package naar een NuGet feed</a:t>
+            </a:r>
           </a:p>
         </p:txBody>
       </p:sp>
     </p:spTree>
     <p:extLst>
       <p:ext uri="{BB962C8B-B14F-4D97-AF65-F5344CB8AC3E}">
-        <p14:creationId xmlns:p14="http://schemas.microsoft.com/office/powerpoint/2010/main" val="123424427"/>
+        <p14:creationId xmlns:p14="http://schemas.microsoft.com/office/powerpoint/2010/main" val="2894932707"/>
       </p:ext>
     </p:extLst>
   </p:cSld>
@@ -3279,12 +3328,8 @@
           <a:lstStyle/>
           <a:p>
             <a:r>
-              <a:rPr lang="nl-BE" dirty="0"/>
-              <a:t>Definieer het deployment </a:t>
-            </a:r>
-            <a:r>
-              <a:rPr lang="nl-BE" dirty="0" smtClean="0"/>
-              <a:t>proces</a:t>
+              <a:rPr lang="nl-BE" dirty="0" smtClean="0"/>
+              <a:t>Configureer Octopus</a:t>
             </a:r>
             <a:endParaRPr lang="nl-BE" dirty="0"/>
           </a:p>
@@ -3309,22 +3354,105 @@
           <a:p>
             <a:r>
               <a:rPr lang="en-US" dirty="0" err="1" smtClean="0"/>
-              <a:t>Maak</a:t>
-            </a:r>
-            <a:r>
-              <a:rPr lang="en-US" dirty="0" smtClean="0"/>
-              <a:t> het project </a:t>
-            </a:r>
+              <a:t>Definieer</a:t>
+            </a:r>
+            <a:r>
+              <a:rPr lang="en-US" dirty="0" smtClean="0"/>
+              <a:t> de environments</a:t>
+            </a:r>
+          </a:p>
+          <a:p>
+            <a:pPr lvl="1"/>
+            <a:r>
+              <a:rPr lang="en-US" dirty="0" smtClean="0"/>
+              <a:t>Test, Acceptance, Production</a:t>
+            </a:r>
+          </a:p>
+          <a:p>
+            <a:pPr lvl="1"/>
+            <a:endParaRPr lang="en-US" dirty="0" smtClean="0"/>
+          </a:p>
+          <a:p>
             <a:r>
               <a:rPr lang="en-US" dirty="0" err="1" smtClean="0"/>
-              <a:t>aan</a:t>
-            </a:r>
-            <a:endParaRPr lang="en-US" dirty="0"/>
-          </a:p>
-          <a:p>
-            <a:r>
-              <a:rPr lang="en-US" dirty="0" smtClean="0"/>
-              <a:t>Deploy Web package </a:t>
+              <a:t>Installeer</a:t>
+            </a:r>
+            <a:r>
+              <a:rPr lang="en-US" dirty="0" smtClean="0"/>
+              <a:t> </a:t>
+            </a:r>
+            <a:r>
+              <a:rPr lang="en-US" dirty="0" err="1" smtClean="0"/>
+              <a:t>een</a:t>
+            </a:r>
+            <a:r>
+              <a:rPr lang="en-US" dirty="0" smtClean="0"/>
+              <a:t> tentacle </a:t>
+            </a:r>
+            <a:r>
+              <a:rPr lang="en-US" dirty="0" err="1" smtClean="0"/>
+              <a:t>voor</a:t>
+            </a:r>
+            <a:r>
+              <a:rPr lang="en-US" dirty="0" smtClean="0"/>
+              <a:t> de </a:t>
+            </a:r>
+            <a:r>
+              <a:rPr lang="en-US" dirty="0" err="1" smtClean="0"/>
+              <a:t>testomgeving</a:t>
+            </a:r>
+            <a:endParaRPr lang="en-US" dirty="0" smtClean="0"/>
+          </a:p>
+          <a:p>
+            <a:pPr lvl="1"/>
+            <a:r>
+              <a:rPr lang="en-US" dirty="0" smtClean="0"/>
+              <a:t>Listening tentacle</a:t>
+            </a:r>
+          </a:p>
+          <a:p>
+            <a:pPr lvl="1"/>
+            <a:r>
+              <a:rPr lang="en-US" dirty="0" smtClean="0"/>
+              <a:t>Roles: </a:t>
+            </a:r>
+            <a:r>
+              <a:rPr lang="en-US" dirty="0" err="1" smtClean="0"/>
+              <a:t>dbserver</a:t>
+            </a:r>
+            <a:r>
+              <a:rPr lang="en-US" dirty="0"/>
+              <a:t> </a:t>
+            </a:r>
+            <a:r>
+              <a:rPr lang="en-US" dirty="0" smtClean="0"/>
+              <a:t>en webserver</a:t>
+            </a:r>
+          </a:p>
+          <a:p>
+            <a:pPr lvl="1"/>
+            <a:endParaRPr lang="en-US" dirty="0" smtClean="0"/>
+          </a:p>
+          <a:p>
+            <a:r>
+              <a:rPr lang="en-US" dirty="0" smtClean="0"/>
+              <a:t>Leg </a:t>
+            </a:r>
+            <a:r>
+              <a:rPr lang="en-US" dirty="0" err="1" smtClean="0"/>
+              <a:t>een</a:t>
+            </a:r>
+            <a:r>
+              <a:rPr lang="en-US" dirty="0" smtClean="0"/>
+              <a:t> </a:t>
+            </a:r>
+            <a:r>
+              <a:rPr lang="en-US" dirty="0" err="1" smtClean="0"/>
+              <a:t>connectie</a:t>
+            </a:r>
+            <a:r>
+              <a:rPr lang="en-US" dirty="0" smtClean="0"/>
+              <a:t> </a:t>
             </a:r>
             <a:r>
               <a:rPr lang="en-US" dirty="0" err="1" smtClean="0"/>
@@ -3332,112 +3460,15 @@
             </a:r>
             <a:r>
               <a:rPr lang="en-US" dirty="0" smtClean="0"/>
-              <a:t> webserver role</a:t>
-            </a:r>
-            <a:endParaRPr lang="en-US" dirty="0"/>
-          </a:p>
-          <a:p>
-            <a:pPr lvl="1"/>
-            <a:r>
-              <a:rPr lang="en-US" dirty="0" smtClean="0"/>
-              <a:t>Run </a:t>
+              <a:t> de </a:t>
             </a:r>
             <a:r>
               <a:rPr lang="en-US" dirty="0" err="1" smtClean="0"/>
-              <a:t>config</a:t>
-            </a:r>
-            <a:r>
-              <a:rPr lang="en-US" dirty="0" smtClean="0"/>
-              <a:t> transforms</a:t>
-            </a:r>
-          </a:p>
-          <a:p>
-            <a:pPr lvl="1"/>
-            <a:r>
-              <a:rPr lang="en-US" dirty="0" smtClean="0"/>
-              <a:t>Switch IIS application path</a:t>
-            </a:r>
-            <a:endParaRPr lang="en-US" dirty="0"/>
-          </a:p>
-          <a:p>
-            <a:r>
-              <a:rPr lang="en-US" dirty="0" smtClean="0"/>
-              <a:t>Deploy DB migration package </a:t>
-            </a:r>
-            <a:r>
-              <a:rPr lang="en-US" dirty="0" err="1" smtClean="0"/>
-              <a:t>naar</a:t>
-            </a:r>
-            <a:r>
-              <a:rPr lang="en-US" dirty="0" smtClean="0"/>
-              <a:t> </a:t>
-            </a:r>
-            <a:r>
-              <a:rPr lang="en-US" dirty="0" err="1" smtClean="0"/>
-              <a:t>dbserver</a:t>
-            </a:r>
-            <a:r>
-              <a:rPr lang="en-US" dirty="0" smtClean="0"/>
-              <a:t> role</a:t>
-            </a:r>
-          </a:p>
-          <a:p>
-            <a:pPr lvl="1"/>
-            <a:r>
-              <a:rPr lang="en-US" dirty="0" smtClean="0"/>
-              <a:t>Run </a:t>
-            </a:r>
-            <a:r>
-              <a:rPr lang="en-US" dirty="0" err="1" smtClean="0"/>
-              <a:t>config</a:t>
-            </a:r>
-            <a:r>
-              <a:rPr lang="en-US" dirty="0" smtClean="0"/>
-              <a:t> transforms</a:t>
-            </a:r>
-          </a:p>
-          <a:p>
-            <a:pPr lvl="1"/>
-            <a:r>
-              <a:rPr lang="en-US" dirty="0" smtClean="0"/>
-              <a:t>Execute migrations</a:t>
-            </a:r>
-            <a:endParaRPr lang="en-US" dirty="0"/>
-          </a:p>
-          <a:p>
-            <a:r>
-              <a:rPr lang="en-US" dirty="0" smtClean="0"/>
-              <a:t>Extension points</a:t>
-            </a:r>
-          </a:p>
-          <a:p>
-            <a:pPr lvl="1"/>
-            <a:r>
-              <a:rPr lang="en-US" dirty="0" err="1" smtClean="0"/>
-              <a:t>Powershell</a:t>
-            </a:r>
-            <a:r>
-              <a:rPr lang="en-US" dirty="0" smtClean="0"/>
-              <a:t> scripts</a:t>
-            </a:r>
-          </a:p>
-          <a:p>
-            <a:pPr lvl="1"/>
-            <a:r>
-              <a:rPr lang="en-US" dirty="0" smtClean="0"/>
-              <a:t>PreDeploy.ps1, Deploy</a:t>
-            </a:r>
-            <a:r>
-              <a:rPr lang="en-US" dirty="0"/>
-              <a:t>.ps1</a:t>
-            </a:r>
-            <a:r>
-              <a:rPr lang="en-US" dirty="0" smtClean="0"/>
-              <a:t>, PostDeploy</a:t>
-            </a:r>
-            <a:r>
-              <a:rPr lang="en-US" dirty="0"/>
-              <a:t>.ps1</a:t>
+              <a:t>NuGet</a:t>
+            </a:r>
+            <a:r>
+              <a:rPr lang="en-US" dirty="0" smtClean="0"/>
+              <a:t> feed van Team City</a:t>
             </a:r>
             <a:endParaRPr lang="nl-BE" dirty="0" smtClean="0"/>
           </a:p>
@@ -3446,7 +3477,7 @@
     </p:spTree>
     <p:extLst>
       <p:ext uri="{BB962C8B-B14F-4D97-AF65-F5344CB8AC3E}">
-        <p14:creationId xmlns:p14="http://schemas.microsoft.com/office/powerpoint/2010/main" val="3459778437"/>
+        <p14:creationId xmlns:p14="http://schemas.microsoft.com/office/powerpoint/2010/main" val="123424427"/>
       </p:ext>
     </p:extLst>
   </p:cSld>
@@ -3496,8 +3527,12 @@
           <a:lstStyle/>
           <a:p>
             <a:r>
-              <a:rPr lang="nl-BE" dirty="0" smtClean="0"/>
-              <a:t>Extra’s</a:t>
+              <a:rPr lang="nl-BE" dirty="0"/>
+              <a:t>Definieer het deployment </a:t>
+            </a:r>
+            <a:r>
+              <a:rPr lang="nl-BE" dirty="0" smtClean="0"/>
+              <a:t>proces</a:t>
             </a:r>
             <a:endParaRPr lang="nl-BE" dirty="0"/>
           </a:p>
@@ -3521,8 +3556,239 @@
           <a:lstStyle/>
           <a:p>
             <a:r>
-              <a:rPr lang="en-US" dirty="0" smtClean="0"/>
-              <a:t>Retention policies</a:t>
+              <a:rPr lang="en-US" dirty="0" err="1" smtClean="0"/>
+              <a:t>Maak</a:t>
+            </a:r>
+            <a:r>
+              <a:rPr lang="en-US" dirty="0" smtClean="0"/>
+              <a:t> het project </a:t>
+            </a:r>
+            <a:r>
+              <a:rPr lang="en-US" dirty="0" err="1" smtClean="0"/>
+              <a:t>aan</a:t>
+            </a:r>
+            <a:endParaRPr lang="en-US" dirty="0"/>
+          </a:p>
+          <a:p>
+            <a:r>
+              <a:rPr lang="en-US" dirty="0" smtClean="0"/>
+              <a:t>Deploy Web package </a:t>
+            </a:r>
+            <a:r>
+              <a:rPr lang="en-US" dirty="0" err="1" smtClean="0"/>
+              <a:t>naar</a:t>
+            </a:r>
+            <a:r>
+              <a:rPr lang="en-US" dirty="0" smtClean="0"/>
+              <a:t> webserver role</a:t>
+            </a:r>
+            <a:endParaRPr lang="en-US" dirty="0"/>
+          </a:p>
+          <a:p>
+            <a:pPr lvl="1"/>
+            <a:r>
+              <a:rPr lang="en-US" dirty="0" smtClean="0"/>
+              <a:t>Run </a:t>
+            </a:r>
+            <a:r>
+              <a:rPr lang="en-US" dirty="0" err="1" smtClean="0"/>
+              <a:t>config</a:t>
+            </a:r>
+            <a:r>
+              <a:rPr lang="en-US" dirty="0" smtClean="0"/>
+              <a:t> transforms</a:t>
+            </a:r>
+          </a:p>
+          <a:p>
+            <a:pPr lvl="1"/>
+            <a:r>
+              <a:rPr lang="en-US" dirty="0" smtClean="0"/>
+              <a:t>Switch IIS application path</a:t>
+            </a:r>
+            <a:endParaRPr lang="en-US" dirty="0"/>
+          </a:p>
+          <a:p>
+            <a:r>
+              <a:rPr lang="en-US" dirty="0" smtClean="0"/>
+              <a:t>Deploy DB migration package </a:t>
+            </a:r>
+            <a:r>
+              <a:rPr lang="en-US" dirty="0" err="1" smtClean="0"/>
+              <a:t>naar</a:t>
+            </a:r>
+            <a:r>
+              <a:rPr lang="en-US" dirty="0" smtClean="0"/>
+              <a:t> </a:t>
+            </a:r>
+            <a:r>
+              <a:rPr lang="en-US" dirty="0" err="1" smtClean="0"/>
+              <a:t>dbserver</a:t>
+            </a:r>
+            <a:r>
+              <a:rPr lang="en-US" dirty="0" smtClean="0"/>
+              <a:t> role</a:t>
+            </a:r>
+          </a:p>
+          <a:p>
+            <a:pPr lvl="1"/>
+            <a:r>
+              <a:rPr lang="en-US" dirty="0" smtClean="0"/>
+              <a:t>Run </a:t>
+            </a:r>
+            <a:r>
+              <a:rPr lang="en-US" dirty="0" err="1" smtClean="0"/>
+              <a:t>config</a:t>
+            </a:r>
+            <a:r>
+              <a:rPr lang="en-US" dirty="0" smtClean="0"/>
+              <a:t> transforms</a:t>
+            </a:r>
+          </a:p>
+          <a:p>
+            <a:pPr lvl="1"/>
+            <a:r>
+              <a:rPr lang="en-US" dirty="0" smtClean="0"/>
+              <a:t>Execute migrations</a:t>
+            </a:r>
+            <a:endParaRPr lang="en-US" dirty="0"/>
+          </a:p>
+          <a:p>
+            <a:r>
+              <a:rPr lang="en-US" dirty="0" smtClean="0"/>
+              <a:t>Extension points</a:t>
+            </a:r>
+          </a:p>
+          <a:p>
+            <a:pPr lvl="1"/>
+            <a:r>
+              <a:rPr lang="en-US" dirty="0" err="1" smtClean="0"/>
+              <a:t>Powershell</a:t>
+            </a:r>
+            <a:r>
+              <a:rPr lang="en-US" dirty="0" smtClean="0"/>
+              <a:t> scripts</a:t>
+            </a:r>
+          </a:p>
+          <a:p>
+            <a:pPr lvl="1"/>
+            <a:r>
+              <a:rPr lang="en-US" dirty="0" smtClean="0"/>
+              <a:t>PreDeploy.ps1, Deploy</a:t>
+            </a:r>
+            <a:r>
+              <a:rPr lang="en-US" dirty="0"/>
+              <a:t>.ps1</a:t>
+            </a:r>
+            <a:r>
+              <a:rPr lang="en-US" dirty="0" smtClean="0"/>
+              <a:t>, PostDeploy</a:t>
+            </a:r>
+            <a:r>
+              <a:rPr lang="en-US" dirty="0"/>
+              <a:t>.ps1</a:t>
+            </a:r>
+            <a:endParaRPr lang="nl-BE" dirty="0" smtClean="0"/>
+          </a:p>
+        </p:txBody>
+      </p:sp>
+    </p:spTree>
+    <p:extLst>
+      <p:ext uri="{BB962C8B-B14F-4D97-AF65-F5344CB8AC3E}">
+        <p14:creationId xmlns:p14="http://schemas.microsoft.com/office/powerpoint/2010/main" val="3459778437"/>
+      </p:ext>
+    </p:extLst>
+  </p:cSld>
+  <p:clrMapOvr>
+    <a:masterClrMapping/>
+  </p:clrMapOvr>
+  <p:timing>
+    <p:tnLst>
+      <p:par>
+        <p:cTn id="1" dur="indefinite" restart="never" nodeType="tmRoot"/>
+      </p:par>
+    </p:tnLst>
+  </p:timing>
+</p:sld>
+</file>
+
+<file path=ppt/slides/slide14.xml><?xml version="1.0" encoding="utf-8"?>
+<p:sld xmlns:a="http://schemas.openxmlformats.org/drawingml/2006/main" xmlns:r="http://schemas.openxmlformats.org/officeDocument/2006/relationships" xmlns:p="http://schemas.openxmlformats.org/presentationml/2006/main">
+  <p:cSld>
+    <p:spTree>
+      <p:nvGrpSpPr>
+        <p:cNvPr id="1" name=""/>
+        <p:cNvGrpSpPr/>
+        <p:nvPr/>
+      </p:nvGrpSpPr>
+      <p:grpSpPr>
+        <a:xfrm>
+          <a:off x="0" y="0"/>
+          <a:ext cx="0" cy="0"/>
+          <a:chOff x="0" y="0"/>
+          <a:chExt cx="0" cy="0"/>
+        </a:xfrm>
+      </p:grpSpPr>
+      <p:sp>
+        <p:nvSpPr>
+          <p:cNvPr id="5" name="Title 4"/>
+          <p:cNvSpPr>
+            <a:spLocks noGrp="1"/>
+          </p:cNvSpPr>
+          <p:nvPr>
+            <p:ph type="title"/>
+          </p:nvPr>
+        </p:nvSpPr>
+        <p:spPr/>
+        <p:txBody>
+          <a:bodyPr/>
+          <a:lstStyle/>
+          <a:p>
+            <a:r>
+              <a:rPr lang="nl-BE" dirty="0" smtClean="0"/>
+              <a:t>Extra’s</a:t>
+            </a:r>
+            <a:endParaRPr lang="nl-BE" dirty="0"/>
+          </a:p>
+        </p:txBody>
+      </p:sp>
+      <p:sp>
+        <p:nvSpPr>
+          <p:cNvPr id="6" name="Content Placeholder 5"/>
+          <p:cNvSpPr>
+            <a:spLocks noGrp="1"/>
+          </p:cNvSpPr>
+          <p:nvPr>
+            <p:ph idx="1"/>
+          </p:nvPr>
+        </p:nvSpPr>
+        <p:spPr/>
+        <p:txBody>
+          <a:bodyPr>
+            <a:normAutofit/>
+          </a:bodyPr>
+          <a:lstStyle/>
+          <a:p>
+            <a:r>
+              <a:rPr lang="en-US" dirty="0" smtClean="0"/>
+              <a:t>Promote van </a:t>
+            </a:r>
+            <a:r>
+              <a:rPr lang="en-US" dirty="0" err="1" smtClean="0"/>
+              <a:t>een</a:t>
+            </a:r>
+            <a:r>
+              <a:rPr lang="en-US" dirty="0" smtClean="0"/>
+              <a:t> release</a:t>
+            </a:r>
+          </a:p>
+          <a:p>
+            <a:r>
+              <a:rPr lang="en-US" dirty="0" smtClean="0"/>
+              <a:t>Retention </a:t>
+            </a:r>
+            <a:r>
+              <a:rPr lang="en-US" dirty="0" smtClean="0"/>
+              <a:t>policies</a:t>
             </a:r>
           </a:p>
           <a:p>
@@ -3553,8 +3819,19 @@
             </a:r>
             <a:r>
               <a:rPr lang="en-US" dirty="0" smtClean="0"/>
-              <a:t> Team City</a:t>
-            </a:r>
+              <a:t> Team </a:t>
+            </a:r>
+            <a:r>
+              <a:rPr lang="en-US" dirty="0" smtClean="0"/>
+              <a:t>City</a:t>
+            </a:r>
+          </a:p>
+          <a:p>
+            <a:r>
+              <a:rPr lang="en-US" smtClean="0"/>
+              <a:t>Pricing</a:t>
+            </a:r>
+            <a:endParaRPr lang="en-US" dirty="0" smtClean="0"/>
           </a:p>
           <a:p>
             <a:endParaRPr lang="en-US" dirty="0" smtClean="0"/>
@@ -3584,7 +3861,7 @@
 </p:sld>
 </file>
 
-<file path=ppt/slides/slide14.xml><?xml version="1.0" encoding="utf-8"?>
+<file path=ppt/slides/slide15.xml><?xml version="1.0" encoding="utf-8"?>
 <p:sld xmlns:a="http://schemas.openxmlformats.org/drawingml/2006/main" xmlns:r="http://schemas.openxmlformats.org/officeDocument/2006/relationships" xmlns:p="http://schemas.openxmlformats.org/presentationml/2006/main">
   <p:cSld>
     <p:spTree>
@@ -3735,11 +4012,7 @@
           <a:p>
             <a:r>
               <a:rPr lang="nl-BE" dirty="0" smtClean="0"/>
-              <a:t>Environments, machines &amp; </a:t>
-            </a:r>
-            <a:r>
-              <a:rPr lang="nl-BE" dirty="0" smtClean="0"/>
-              <a:t>roles</a:t>
+              <a:t>Environments, machines &amp; roles</a:t>
             </a:r>
           </a:p>
           <a:p>
@@ -3747,16 +4020,11 @@
               <a:rPr lang="nl-BE" dirty="0" smtClean="0"/>
               <a:t>Demo-omgeving</a:t>
             </a:r>
-            <a:endParaRPr lang="nl-BE" dirty="0" smtClean="0"/>
-          </a:p>
-          <a:p>
-            <a:r>
-              <a:rPr lang="nl-BE" dirty="0" smtClean="0"/>
-              <a:t>Maak uw applicatie </a:t>
-            </a:r>
-            <a:r>
-              <a:rPr lang="nl-BE" dirty="0" smtClean="0"/>
-              <a:t>‘deployable’</a:t>
+          </a:p>
+          <a:p>
+            <a:r>
+              <a:rPr lang="nl-BE" dirty="0" smtClean="0"/>
+              <a:t>Maak uw applicatie ‘deployable’</a:t>
             </a:r>
           </a:p>
           <a:p>
@@ -3764,16 +4032,11 @@
               <a:rPr lang="nl-BE" dirty="0" smtClean="0"/>
               <a:t>Configureer Octopus</a:t>
             </a:r>
-            <a:endParaRPr lang="nl-BE" dirty="0" smtClean="0"/>
-          </a:p>
-          <a:p>
-            <a:r>
-              <a:rPr lang="nl-BE" dirty="0" smtClean="0"/>
-              <a:t>Definieer het deployment </a:t>
-            </a:r>
-            <a:r>
-              <a:rPr lang="nl-BE" dirty="0" smtClean="0"/>
-              <a:t>proces</a:t>
+          </a:p>
+          <a:p>
+            <a:r>
+              <a:rPr lang="nl-BE" dirty="0" smtClean="0"/>
+              <a:t>Definieer het deployment proces</a:t>
             </a:r>
           </a:p>
           <a:p>
@@ -4027,11 +4290,7 @@
             <a:pPr lvl="1"/>
             <a:r>
               <a:rPr lang="nl-BE" dirty="0" smtClean="0"/>
-              <a:t>ClickOnce WPF </a:t>
-            </a:r>
-            <a:r>
-              <a:rPr lang="nl-BE" dirty="0" smtClean="0"/>
-              <a:t>en WinForms applicaties</a:t>
+              <a:t>ClickOnce WPF en WinForms applicaties</a:t>
             </a:r>
           </a:p>
           <a:p>
@@ -4561,7 +4820,11 @@
             <a:pPr lvl="1"/>
             <a:r>
               <a:rPr lang="nl-BE" dirty="0" smtClean="0"/>
-              <a:t>Gebasseerd op public-key cryptography</a:t>
+              <a:t>Gebaseerd </a:t>
+            </a:r>
+            <a:r>
+              <a:rPr lang="nl-BE" dirty="0" smtClean="0"/>
+              <a:t>op public-key cryptography</a:t>
             </a:r>
             <a:endParaRPr lang="en-US" dirty="0" smtClean="0"/>
           </a:p>
@@ -4766,11 +5029,7 @@
             </a:r>
             <a:r>
               <a:rPr lang="nl-BE" dirty="0" smtClean="0"/>
-              <a:t>mgeving </a:t>
-            </a:r>
-            <a:r>
-              <a:rPr lang="nl-BE" dirty="0" smtClean="0"/>
-              <a:t>naar waar je wil deployen</a:t>
+              <a:t>mgeving naar waar je wil deployen</a:t>
             </a:r>
           </a:p>
           <a:p>
@@ -4794,15 +5053,7 @@
             <a:pPr lvl="1"/>
             <a:r>
               <a:rPr lang="nl-BE" dirty="0" smtClean="0"/>
-              <a:t>S</a:t>
-            </a:r>
-            <a:r>
-              <a:rPr lang="nl-BE" dirty="0" smtClean="0"/>
-              <a:t>erver </a:t>
-            </a:r>
-            <a:r>
-              <a:rPr lang="nl-BE" dirty="0" smtClean="0"/>
-              <a:t>naar waar je wil deployen</a:t>
+              <a:t>Server naar waar je wil deployen</a:t>
             </a:r>
           </a:p>
           <a:p>
@@ -4817,22 +5068,13 @@
           <a:p>
             <a:pPr lvl="1"/>
             <a:r>
-              <a:rPr lang="nl-BE" dirty="0"/>
-              <a:t>B</a:t>
-            </a:r>
-            <a:r>
-              <a:rPr lang="nl-BE" dirty="0" smtClean="0"/>
-              <a:t>epaald </a:t>
-            </a:r>
-            <a:r>
-              <a:rPr lang="nl-BE" dirty="0" smtClean="0"/>
-              <a:t>de functie van een </a:t>
-            </a:r>
-            <a:r>
-              <a:rPr lang="nl-BE" dirty="0" smtClean="0"/>
-              <a:t>machine</a:t>
-            </a:r>
-            <a:endParaRPr lang="nl-BE" dirty="0" smtClean="0"/>
+              <a:rPr lang="nl-BE" dirty="0" smtClean="0"/>
+              <a:t>Bepaalt </a:t>
+            </a:r>
+            <a:r>
+              <a:rPr lang="nl-BE" dirty="0" smtClean="0"/>
+              <a:t>de functie van een machine</a:t>
+            </a:r>
           </a:p>
           <a:p>
             <a:pPr lvl="1"/>
@@ -4897,7 +5139,7 @@
           <a:p>
             <a:r>
               <a:rPr lang="nl-BE" dirty="0" smtClean="0"/>
-              <a:t>Demo-omgeving</a:t>
+              <a:t>Environments, machines &amp; roles</a:t>
             </a:r>
             <a:endParaRPr lang="nl-BE" dirty="0"/>
           </a:p>
@@ -4920,89 +5162,55 @@
           </a:bodyPr>
           <a:lstStyle/>
           <a:p>
-            <a:r>
-              <a:rPr lang="nl-BE" dirty="0" smtClean="0"/>
-              <a:t>Eenvoudige ASP.NET MVC webapplicatie</a:t>
-            </a:r>
-          </a:p>
-          <a:p>
-            <a:pPr lvl="1"/>
-            <a:r>
-              <a:rPr lang="nl-BE" dirty="0" smtClean="0"/>
-              <a:t>Toont lijst van QFrame werknemers</a:t>
-            </a:r>
-          </a:p>
-          <a:p>
-            <a:pPr lvl="1"/>
-            <a:r>
-              <a:rPr lang="nl-BE" dirty="0" smtClean="0"/>
-              <a:t>SQL Server DB</a:t>
-            </a:r>
             <a:endParaRPr lang="nl-BE" dirty="0" smtClean="0"/>
           </a:p>
-          <a:p>
-            <a:r>
-              <a:rPr lang="nl-BE" dirty="0" smtClean="0"/>
-              <a:t>Git source controlled</a:t>
-            </a:r>
-          </a:p>
-          <a:p>
-            <a:r>
-              <a:rPr lang="nl-BE" dirty="0" smtClean="0">
-                <a:hlinkClick r:id="rId2"/>
-              </a:rPr>
-              <a:t>Team City CI build</a:t>
-            </a:r>
-            <a:endParaRPr lang="nl-BE" dirty="0"/>
-          </a:p>
-          <a:p>
-            <a:pPr lvl="1"/>
-            <a:r>
-              <a:rPr lang="nl-BE" dirty="0" smtClean="0"/>
-              <a:t>Wordt getriggerd bij check in</a:t>
-            </a:r>
-          </a:p>
-          <a:p>
-            <a:pPr lvl="1"/>
-            <a:r>
-              <a:rPr lang="nl-BE" dirty="0" smtClean="0"/>
-              <a:t>Deployment packages op integrated NuGet feed</a:t>
-            </a:r>
-          </a:p>
-          <a:p>
-            <a:r>
-              <a:rPr lang="nl-BE" dirty="0" smtClean="0">
-                <a:hlinkClick r:id="rId3"/>
-              </a:rPr>
-              <a:t>Octopus Deploy</a:t>
-            </a:r>
-            <a:endParaRPr lang="nl-BE" dirty="0" smtClean="0"/>
-          </a:p>
-          <a:p>
-            <a:pPr lvl="1"/>
-            <a:r>
-              <a:rPr lang="nl-BE" dirty="0" smtClean="0"/>
-              <a:t>Connecteert op NuGet feed van </a:t>
-            </a:r>
-            <a:r>
-              <a:rPr lang="nl-BE" dirty="0"/>
-              <a:t>Team </a:t>
-            </a:r>
-            <a:r>
-              <a:rPr lang="nl-BE" dirty="0" smtClean="0"/>
-              <a:t>City</a:t>
-            </a:r>
-            <a:endParaRPr lang="nl-BE" dirty="0" smtClean="0"/>
-          </a:p>
-          <a:p>
-            <a:endParaRPr lang="nl-BE" dirty="0" smtClean="0"/>
-          </a:p>
-        </p:txBody>
-      </p:sp>
+        </p:txBody>
+      </p:sp>
+      <p:pic>
+        <p:nvPicPr>
+          <p:cNvPr id="1026" name="Picture 2" descr="Environments can contain many machines"/>
+          <p:cNvPicPr>
+            <a:picLocks noChangeAspect="1" noChangeArrowheads="1"/>
+          </p:cNvPicPr>
+          <p:nvPr/>
+        </p:nvPicPr>
+        <p:blipFill>
+          <a:blip r:embed="rId3">
+            <a:extLst>
+              <a:ext uri="{28A0092B-C50C-407E-A947-70E740481C1C}">
+                <a14:useLocalDpi xmlns:a14="http://schemas.microsoft.com/office/drawing/2010/main" val="0"/>
+              </a:ext>
+            </a:extLst>
+          </a:blip>
+          <a:srcRect/>
+          <a:stretch>
+            <a:fillRect/>
+          </a:stretch>
+        </p:blipFill>
+        <p:spPr bwMode="auto">
+          <a:xfrm>
+            <a:off x="1115616" y="1087760"/>
+            <a:ext cx="6840760" cy="4912911"/>
+          </a:xfrm>
+          <a:prstGeom prst="rect">
+            <a:avLst/>
+          </a:prstGeom>
+          <a:noFill/>
+          <a:extLst>
+            <a:ext uri="{909E8E84-426E-40DD-AFC4-6F175D3DCCD1}">
+              <a14:hiddenFill xmlns:a14="http://schemas.microsoft.com/office/drawing/2010/main">
+                <a:solidFill>
+                  <a:srgbClr val="FFFFFF"/>
+                </a:solidFill>
+              </a14:hiddenFill>
+            </a:ext>
+          </a:extLst>
+        </p:spPr>
+      </p:pic>
     </p:spTree>
     <p:extLst>
       <p:ext uri="{BB962C8B-B14F-4D97-AF65-F5344CB8AC3E}">
-        <p14:creationId xmlns:p14="http://schemas.microsoft.com/office/powerpoint/2010/main" val="4000493061"/>
+        <p14:creationId xmlns:p14="http://schemas.microsoft.com/office/powerpoint/2010/main" val="2802675009"/>
       </p:ext>
     </p:extLst>
   </p:cSld>
@@ -5813,9 +6021,12 @@
 </file>
 
 <file path=customXml/item1.xml><?xml version="1.0" encoding="utf-8"?>
-<p:properties xmlns:p="http://schemas.microsoft.com/office/2006/metadata/properties" xmlns:xsi="http://www.w3.org/2001/XMLSchema-instance" xmlns:pc="http://schemas.microsoft.com/office/infopath/2007/PartnerControls">
-  <documentManagement/>
-</p:properties>
+<?mso-contentType ?>
+<FormTemplates xmlns="http://schemas.microsoft.com/sharepoint/v3/contenttype/forms">
+  <Display>DocumentLibraryForm</Display>
+  <Edit>DocumentLibraryForm</Edit>
+  <New>DocumentLibraryForm</New>
+</FormTemplates>
 </file>
 
 <file path=customXml/item2.xml><?xml version="1.0" encoding="utf-8"?>
@@ -5933,25 +6144,15 @@
 </file>
 
 <file path=customXml/item3.xml><?xml version="1.0" encoding="utf-8"?>
-<?mso-contentType ?>
-<FormTemplates xmlns="http://schemas.microsoft.com/sharepoint/v3/contenttype/forms">
-  <Display>DocumentLibraryForm</Display>
-  <Edit>DocumentLibraryForm</Edit>
-  <New>DocumentLibraryForm</New>
-</FormTemplates>
+<p:properties xmlns:p="http://schemas.microsoft.com/office/2006/metadata/properties" xmlns:xsi="http://www.w3.org/2001/XMLSchema-instance" xmlns:pc="http://schemas.microsoft.com/office/infopath/2007/PartnerControls">
+  <documentManagement/>
+</p:properties>
 </file>
 
 <file path=customXml/itemProps1.xml><?xml version="1.0" encoding="utf-8"?>
-<ds:datastoreItem xmlns:ds="http://schemas.openxmlformats.org/officeDocument/2006/customXml" ds:itemID="{99174808-9C2B-4902-8C9D-44348A1FD8BB}">
+<ds:datastoreItem xmlns:ds="http://schemas.openxmlformats.org/officeDocument/2006/customXml" ds:itemID="{D1F7498C-F9C2-422B-BC41-0960A3F778D1}">
   <ds:schemaRefs>
-    <ds:schemaRef ds:uri="http://www.w3.org/XML/1998/namespace"/>
-    <ds:schemaRef ds:uri="http://schemas.openxmlformats.org/package/2006/metadata/core-properties"/>
-    <ds:schemaRef ds:uri="http://purl.org/dc/elements/1.1/"/>
-    <ds:schemaRef ds:uri="http://purl.org/dc/terms/"/>
-    <ds:schemaRef ds:uri="http://schemas.microsoft.com/office/2006/documentManagement/types"/>
-    <ds:schemaRef ds:uri="http://purl.org/dc/dcmitype/"/>
-    <ds:schemaRef ds:uri="http://schemas.microsoft.com/office/infopath/2007/PartnerControls"/>
-    <ds:schemaRef ds:uri="http://schemas.microsoft.com/office/2006/metadata/properties"/>
+    <ds:schemaRef ds:uri="http://schemas.microsoft.com/sharepoint/v3/contenttype/forms"/>
   </ds:schemaRefs>
 </ds:datastoreItem>
 </file>
@@ -5973,9 +6174,16 @@
 </file>
 
 <file path=customXml/itemProps3.xml><?xml version="1.0" encoding="utf-8"?>
-<ds:datastoreItem xmlns:ds="http://schemas.openxmlformats.org/officeDocument/2006/customXml" ds:itemID="{D1F7498C-F9C2-422B-BC41-0960A3F778D1}">
+<ds:datastoreItem xmlns:ds="http://schemas.openxmlformats.org/officeDocument/2006/customXml" ds:itemID="{99174808-9C2B-4902-8C9D-44348A1FD8BB}">
   <ds:schemaRefs>
-    <ds:schemaRef ds:uri="http://schemas.microsoft.com/sharepoint/v3/contenttype/forms"/>
+    <ds:schemaRef ds:uri="http://www.w3.org/XML/1998/namespace"/>
+    <ds:schemaRef ds:uri="http://schemas.openxmlformats.org/package/2006/metadata/core-properties"/>
+    <ds:schemaRef ds:uri="http://purl.org/dc/elements/1.1/"/>
+    <ds:schemaRef ds:uri="http://purl.org/dc/terms/"/>
+    <ds:schemaRef ds:uri="http://schemas.microsoft.com/office/2006/documentManagement/types"/>
+    <ds:schemaRef ds:uri="http://purl.org/dc/dcmitype/"/>
+    <ds:schemaRef ds:uri="http://schemas.microsoft.com/office/infopath/2007/PartnerControls"/>
+    <ds:schemaRef ds:uri="http://schemas.microsoft.com/office/2006/metadata/properties"/>
   </ds:schemaRefs>
 </ds:datastoreItem>
 </file>
--- a/Presentatie.pptx
+++ b/Presentatie.pptx
@@ -126,7 +126,7 @@
   </p:defaultTextStyle>
   <p:extLst>
     <p:ext uri="{EFAFB233-063F-42B5-8137-9DF3F51BA10A}">
-      <p15:sldGuideLst xmlns="" xmlns:p15="http://schemas.microsoft.com/office/powerpoint/2012/main">
+      <p15:sldGuideLst xmlns:p15="http://schemas.microsoft.com/office/powerpoint/2012/main" xmlns="">
         <p15:guide id="1" orient="horz" pos="2160">
           <p15:clr>
             <a:srgbClr val="A4A3A4"/>
@@ -3101,15 +3101,7 @@
             <a:pPr lvl="1"/>
             <a:r>
               <a:rPr lang="nl-BE" dirty="0" smtClean="0"/>
-              <a:t>Wordt </a:t>
-            </a:r>
-            <a:r>
-              <a:rPr lang="nl-BE" dirty="0" smtClean="0"/>
-              <a:t>getriggerd </a:t>
-            </a:r>
-            <a:r>
-              <a:rPr lang="nl-BE" dirty="0" smtClean="0"/>
-              <a:t>bij check in</a:t>
+              <a:t>Wordt getriggerd bij check in</a:t>
             </a:r>
           </a:p>
           <a:p>
@@ -3784,11 +3776,7 @@
           <a:p>
             <a:r>
               <a:rPr lang="en-US" dirty="0" smtClean="0"/>
-              <a:t>Retention </a:t>
-            </a:r>
-            <a:r>
-              <a:rPr lang="en-US" dirty="0" smtClean="0"/>
-              <a:t>policies</a:t>
+              <a:t>Retention policies</a:t>
             </a:r>
           </a:p>
           <a:p>
@@ -3819,11 +3807,7 @@
             </a:r>
             <a:r>
               <a:rPr lang="en-US" dirty="0" smtClean="0"/>
-              <a:t> Team </a:t>
-            </a:r>
-            <a:r>
-              <a:rPr lang="en-US" dirty="0" smtClean="0"/>
-              <a:t>City</a:t>
+              <a:t> Team City</a:t>
             </a:r>
           </a:p>
           <a:p>
@@ -4820,11 +4804,7 @@
             <a:pPr lvl="1"/>
             <a:r>
               <a:rPr lang="nl-BE" dirty="0" smtClean="0"/>
-              <a:t>Gebaseerd </a:t>
-            </a:r>
-            <a:r>
-              <a:rPr lang="nl-BE" dirty="0" smtClean="0"/>
-              <a:t>op public-key cryptography</a:t>
+              <a:t>Gebaseerd op public-key cryptography</a:t>
             </a:r>
             <a:endParaRPr lang="en-US" dirty="0" smtClean="0"/>
           </a:p>
@@ -5069,11 +5049,7 @@
             <a:pPr lvl="1"/>
             <a:r>
               <a:rPr lang="nl-BE" dirty="0" smtClean="0"/>
-              <a:t>Bepaalt </a:t>
-            </a:r>
-            <a:r>
-              <a:rPr lang="nl-BE" dirty="0" smtClean="0"/>
-              <a:t>de functie van een machine</a:t>
+              <a:t>Bepaalt de functie van een machine</a:t>
             </a:r>
           </a:p>
           <a:p>
@@ -5142,27 +5118,6 @@
               <a:t>Environments, machines &amp; roles</a:t>
             </a:r>
             <a:endParaRPr lang="nl-BE" dirty="0"/>
-          </a:p>
-        </p:txBody>
-      </p:sp>
-      <p:sp>
-        <p:nvSpPr>
-          <p:cNvPr id="6" name="Content Placeholder 5"/>
-          <p:cNvSpPr>
-            <a:spLocks noGrp="1"/>
-          </p:cNvSpPr>
-          <p:nvPr>
-            <p:ph idx="1"/>
-          </p:nvPr>
-        </p:nvSpPr>
-        <p:spPr/>
-        <p:txBody>
-          <a:bodyPr>
-            <a:normAutofit/>
-          </a:bodyPr>
-          <a:lstStyle/>
-          <a:p>
-            <a:endParaRPr lang="nl-BE" dirty="0" smtClean="0"/>
           </a:p>
         </p:txBody>
       </p:sp>
@@ -6021,12 +5976,9 @@
 </file>
 
 <file path=customXml/item1.xml><?xml version="1.0" encoding="utf-8"?>
-<?mso-contentType ?>
-<FormTemplates xmlns="http://schemas.microsoft.com/sharepoint/v3/contenttype/forms">
-  <Display>DocumentLibraryForm</Display>
-  <Edit>DocumentLibraryForm</Edit>
-  <New>DocumentLibraryForm</New>
-</FormTemplates>
+<p:properties xmlns:p="http://schemas.microsoft.com/office/2006/metadata/properties" xmlns:xsi="http://www.w3.org/2001/XMLSchema-instance" xmlns:pc="http://schemas.microsoft.com/office/infopath/2007/PartnerControls">
+  <documentManagement/>
+</p:properties>
 </file>
 
 <file path=customXml/item2.xml><?xml version="1.0" encoding="utf-8"?>
@@ -6144,15 +6096,25 @@
 </file>
 
 <file path=customXml/item3.xml><?xml version="1.0" encoding="utf-8"?>
-<p:properties xmlns:p="http://schemas.microsoft.com/office/2006/metadata/properties" xmlns:xsi="http://www.w3.org/2001/XMLSchema-instance" xmlns:pc="http://schemas.microsoft.com/office/infopath/2007/PartnerControls">
-  <documentManagement/>
-</p:properties>
+<?mso-contentType ?>
+<FormTemplates xmlns="http://schemas.microsoft.com/sharepoint/v3/contenttype/forms">
+  <Display>DocumentLibraryForm</Display>
+  <Edit>DocumentLibraryForm</Edit>
+  <New>DocumentLibraryForm</New>
+</FormTemplates>
 </file>
 
 <file path=customXml/itemProps1.xml><?xml version="1.0" encoding="utf-8"?>
-<ds:datastoreItem xmlns:ds="http://schemas.openxmlformats.org/officeDocument/2006/customXml" ds:itemID="{D1F7498C-F9C2-422B-BC41-0960A3F778D1}">
+<ds:datastoreItem xmlns:ds="http://schemas.openxmlformats.org/officeDocument/2006/customXml" ds:itemID="{99174808-9C2B-4902-8C9D-44348A1FD8BB}">
   <ds:schemaRefs>
-    <ds:schemaRef ds:uri="http://schemas.microsoft.com/sharepoint/v3/contenttype/forms"/>
+    <ds:schemaRef ds:uri="http://www.w3.org/XML/1998/namespace"/>
+    <ds:schemaRef ds:uri="http://schemas.openxmlformats.org/package/2006/metadata/core-properties"/>
+    <ds:schemaRef ds:uri="http://purl.org/dc/elements/1.1/"/>
+    <ds:schemaRef ds:uri="http://purl.org/dc/terms/"/>
+    <ds:schemaRef ds:uri="http://schemas.microsoft.com/office/2006/documentManagement/types"/>
+    <ds:schemaRef ds:uri="http://purl.org/dc/dcmitype/"/>
+    <ds:schemaRef ds:uri="http://schemas.microsoft.com/office/infopath/2007/PartnerControls"/>
+    <ds:schemaRef ds:uri="http://schemas.microsoft.com/office/2006/metadata/properties"/>
   </ds:schemaRefs>
 </ds:datastoreItem>
 </file>
@@ -6174,16 +6136,9 @@
 </file>
 
 <file path=customXml/itemProps3.xml><?xml version="1.0" encoding="utf-8"?>
-<ds:datastoreItem xmlns:ds="http://schemas.openxmlformats.org/officeDocument/2006/customXml" ds:itemID="{99174808-9C2B-4902-8C9D-44348A1FD8BB}">
+<ds:datastoreItem xmlns:ds="http://schemas.openxmlformats.org/officeDocument/2006/customXml" ds:itemID="{D1F7498C-F9C2-422B-BC41-0960A3F778D1}">
   <ds:schemaRefs>
-    <ds:schemaRef ds:uri="http://www.w3.org/XML/1998/namespace"/>
-    <ds:schemaRef ds:uri="http://schemas.openxmlformats.org/package/2006/metadata/core-properties"/>
-    <ds:schemaRef ds:uri="http://purl.org/dc/elements/1.1/"/>
-    <ds:schemaRef ds:uri="http://purl.org/dc/terms/"/>
-    <ds:schemaRef ds:uri="http://schemas.microsoft.com/office/2006/documentManagement/types"/>
-    <ds:schemaRef ds:uri="http://purl.org/dc/dcmitype/"/>
-    <ds:schemaRef ds:uri="http://schemas.microsoft.com/office/infopath/2007/PartnerControls"/>
-    <ds:schemaRef ds:uri="http://schemas.microsoft.com/office/2006/metadata/properties"/>
+    <ds:schemaRef ds:uri="http://schemas.microsoft.com/sharepoint/v3/contenttype/forms"/>
   </ds:schemaRefs>
 </ds:datastoreItem>
 </file>
--- a/Presentatie.pptx
+++ b/Presentatie.pptx
@@ -126,7 +126,7 @@
   </p:defaultTextStyle>
   <p:extLst>
     <p:ext uri="{EFAFB233-063F-42B5-8137-9DF3F51BA10A}">
-      <p15:sldGuideLst xmlns:p15="http://schemas.microsoft.com/office/powerpoint/2012/main" xmlns="">
+      <p15:sldGuideLst xmlns="" xmlns:p15="http://schemas.microsoft.com/office/powerpoint/2012/main">
         <p15:guide id="1" orient="horz" pos="2160">
           <p15:clr>
             <a:srgbClr val="A4A3A4"/>
@@ -225,7 +225,8 @@
           <a:p>
             <a:fld id="{EE6C105D-2CF9-41DB-85FD-D66740423677}" type="datetimeFigureOut">
               <a:rPr lang="nl-BE" smtClean="0"/>
-              <a:t>19/05/2014</a:t>
+              <a:pPr/>
+              <a:t>11/06/2014</a:t>
             </a:fld>
             <a:endParaRPr lang="nl-BE"/>
           </a:p>
@@ -291,6 +292,7 @@
           <a:p>
             <a:fld id="{1892C4E7-193E-4F84-B5AA-51F918F998F1}" type="slidenum">
               <a:rPr lang="nl-BE" smtClean="0"/>
+              <a:pPr/>
               <a:t>‹#›</a:t>
             </a:fld>
             <a:endParaRPr lang="nl-BE"/>
@@ -391,7 +393,7 @@
             <a:fld id="{EB0EBD4C-DAF9-4E72-A1A4-1160C8AA0ED9}" type="datetimeFigureOut">
               <a:rPr lang="nl-BE" smtClean="0"/>
               <a:pPr/>
-              <a:t>19/05/2014</a:t>
+              <a:t>11/06/2014</a:t>
             </a:fld>
             <a:endParaRPr lang="nl-BE"/>
           </a:p>
@@ -1927,7 +1929,7 @@
           <p:nvPr userDrawn="1"/>
         </p:nvPicPr>
         <p:blipFill>
-          <a:blip r:embed="rId2">
+          <a:blip r:embed="rId2" cstate="print">
             <a:extLst>
               <a:ext uri="{28A0092B-C50C-407E-A947-70E740481C1C}">
                 <a14:useLocalDpi xmlns:a14="http://schemas.microsoft.com/office/drawing/2010/main" val="0"/>
@@ -3812,8 +3814,19 @@
           </a:p>
           <a:p>
             <a:r>
-              <a:rPr lang="en-US" smtClean="0"/>
+              <a:rPr lang="en-US" dirty="0" smtClean="0">
+                <a:hlinkClick r:id="rId2"/>
+              </a:rPr>
               <a:t>Pricing</a:t>
+            </a:r>
+            <a:endParaRPr lang="en-US" dirty="0" smtClean="0"/>
+          </a:p>
+          <a:p>
+            <a:r>
+              <a:rPr lang="en-US" dirty="0" smtClean="0">
+                <a:hlinkClick r:id="rId3"/>
+              </a:rPr>
+              <a:t>What’s new in v2.4</a:t>
             </a:r>
             <a:endParaRPr lang="en-US" dirty="0" smtClean="0"/>
           </a:p>
@@ -3894,7 +3907,7 @@
           <p:nvPr/>
         </p:nvPicPr>
         <p:blipFill rotWithShape="1">
-          <a:blip r:embed="rId2">
+          <a:blip r:embed="rId2" cstate="print">
             <a:extLst>
               <a:ext uri="{28A0092B-C50C-407E-A947-70E740481C1C}">
                 <a14:useLocalDpi xmlns:a14="http://schemas.microsoft.com/office/drawing/2010/main" val="0"/>
@@ -4137,7 +4150,7 @@
           <p:nvPr/>
         </p:nvPicPr>
         <p:blipFill>
-          <a:blip r:embed="rId2">
+          <a:blip r:embed="rId2" cstate="print">
             <a:extLst>
               <a:ext uri="{28A0092B-C50C-407E-A947-70E740481C1C}">
                 <a14:useLocalDpi xmlns:a14="http://schemas.microsoft.com/office/drawing/2010/main" val="0"/>
@@ -4598,7 +4611,15 @@
             <a:pPr lvl="1"/>
             <a:r>
               <a:rPr lang="nl-BE" dirty="0" smtClean="0"/>
-              <a:t>Als inbound verkeer op poort 10933 naar server niet kan</a:t>
+              <a:t>Als </a:t>
+            </a:r>
+            <a:r>
+              <a:rPr lang="nl-BE" dirty="0" err="1" smtClean="0"/>
+              <a:t>tentacle</a:t>
+            </a:r>
+            <a:r>
+              <a:rPr lang="nl-BE" dirty="0" smtClean="0"/>
+              <a:t> niet altijd bereikbaar is</a:t>
             </a:r>
           </a:p>
         </p:txBody>
@@ -4612,7 +4633,7 @@
           <p:nvPr/>
         </p:nvPicPr>
         <p:blipFill rotWithShape="1">
-          <a:blip r:embed="rId2">
+          <a:blip r:embed="rId2" cstate="print">
             <a:extLst>
               <a:ext uri="{28A0092B-C50C-407E-A947-70E740481C1C}">
                 <a14:useLocalDpi xmlns:a14="http://schemas.microsoft.com/office/drawing/2010/main" val="0"/>
@@ -4651,7 +4672,7 @@
           <p:nvPr/>
         </p:nvPicPr>
         <p:blipFill rotWithShape="1">
-          <a:blip r:embed="rId2">
+          <a:blip r:embed="rId2" cstate="print">
             <a:extLst>
               <a:ext uri="{28A0092B-C50C-407E-A947-70E740481C1C}">
                 <a14:useLocalDpi xmlns:a14="http://schemas.microsoft.com/office/drawing/2010/main" val="0"/>
@@ -5130,7 +5151,7 @@
           <p:nvPr/>
         </p:nvPicPr>
         <p:blipFill>
-          <a:blip r:embed="rId3">
+          <a:blip r:embed="rId3" cstate="print">
             <a:extLst>
               <a:ext uri="{28A0092B-C50C-407E-A947-70E740481C1C}">
                 <a14:useLocalDpi xmlns:a14="http://schemas.microsoft.com/office/drawing/2010/main" val="0"/>
@@ -5976,9 +5997,12 @@
 </file>
 
 <file path=customXml/item1.xml><?xml version="1.0" encoding="utf-8"?>
-<p:properties xmlns:p="http://schemas.microsoft.com/office/2006/metadata/properties" xmlns:xsi="http://www.w3.org/2001/XMLSchema-instance" xmlns:pc="http://schemas.microsoft.com/office/infopath/2007/PartnerControls">
-  <documentManagement/>
-</p:properties>
+<?mso-contentType ?>
+<FormTemplates xmlns="http://schemas.microsoft.com/sharepoint/v3/contenttype/forms">
+  <Display>DocumentLibraryForm</Display>
+  <Edit>DocumentLibraryForm</Edit>
+  <New>DocumentLibraryForm</New>
+</FormTemplates>
 </file>
 
 <file path=customXml/item2.xml><?xml version="1.0" encoding="utf-8"?>
@@ -6096,25 +6120,15 @@
 </file>
 
 <file path=customXml/item3.xml><?xml version="1.0" encoding="utf-8"?>
-<?mso-contentType ?>
-<FormTemplates xmlns="http://schemas.microsoft.com/sharepoint/v3/contenttype/forms">
-  <Display>DocumentLibraryForm</Display>
-  <Edit>DocumentLibraryForm</Edit>
-  <New>DocumentLibraryForm</New>
-</FormTemplates>
+<p:properties xmlns:p="http://schemas.microsoft.com/office/2006/metadata/properties" xmlns:xsi="http://www.w3.org/2001/XMLSchema-instance" xmlns:pc="http://schemas.microsoft.com/office/infopath/2007/PartnerControls">
+  <documentManagement/>
+</p:properties>
 </file>
 
 <file path=customXml/itemProps1.xml><?xml version="1.0" encoding="utf-8"?>
-<ds:datastoreItem xmlns:ds="http://schemas.openxmlformats.org/officeDocument/2006/customXml" ds:itemID="{99174808-9C2B-4902-8C9D-44348A1FD8BB}">
+<ds:datastoreItem xmlns:ds="http://schemas.openxmlformats.org/officeDocument/2006/customXml" ds:itemID="{D1F7498C-F9C2-422B-BC41-0960A3F778D1}">
   <ds:schemaRefs>
-    <ds:schemaRef ds:uri="http://www.w3.org/XML/1998/namespace"/>
-    <ds:schemaRef ds:uri="http://schemas.openxmlformats.org/package/2006/metadata/core-properties"/>
-    <ds:schemaRef ds:uri="http://purl.org/dc/elements/1.1/"/>
-    <ds:schemaRef ds:uri="http://purl.org/dc/terms/"/>
-    <ds:schemaRef ds:uri="http://schemas.microsoft.com/office/2006/documentManagement/types"/>
-    <ds:schemaRef ds:uri="http://purl.org/dc/dcmitype/"/>
-    <ds:schemaRef ds:uri="http://schemas.microsoft.com/office/infopath/2007/PartnerControls"/>
-    <ds:schemaRef ds:uri="http://schemas.microsoft.com/office/2006/metadata/properties"/>
+    <ds:schemaRef ds:uri="http://schemas.microsoft.com/sharepoint/v3/contenttype/forms"/>
   </ds:schemaRefs>
 </ds:datastoreItem>
 </file>
@@ -6136,9 +6150,16 @@
 </file>
 
 <file path=customXml/itemProps3.xml><?xml version="1.0" encoding="utf-8"?>
-<ds:datastoreItem xmlns:ds="http://schemas.openxmlformats.org/officeDocument/2006/customXml" ds:itemID="{D1F7498C-F9C2-422B-BC41-0960A3F778D1}">
+<ds:datastoreItem xmlns:ds="http://schemas.openxmlformats.org/officeDocument/2006/customXml" ds:itemID="{99174808-9C2B-4902-8C9D-44348A1FD8BB}">
   <ds:schemaRefs>
-    <ds:schemaRef ds:uri="http://schemas.microsoft.com/sharepoint/v3/contenttype/forms"/>
+    <ds:schemaRef ds:uri="http://www.w3.org/XML/1998/namespace"/>
+    <ds:schemaRef ds:uri="http://schemas.openxmlformats.org/package/2006/metadata/core-properties"/>
+    <ds:schemaRef ds:uri="http://purl.org/dc/elements/1.1/"/>
+    <ds:schemaRef ds:uri="http://purl.org/dc/terms/"/>
+    <ds:schemaRef ds:uri="http://schemas.microsoft.com/office/2006/documentManagement/types"/>
+    <ds:schemaRef ds:uri="http://purl.org/dc/dcmitype/"/>
+    <ds:schemaRef ds:uri="http://schemas.microsoft.com/office/infopath/2007/PartnerControls"/>
+    <ds:schemaRef ds:uri="http://schemas.microsoft.com/office/2006/metadata/properties"/>
   </ds:schemaRefs>
 </ds:datastoreItem>
 </file>